--- a/pptx/LFA T1 ( Intro ) - 2023 - S2.pptx
+++ b/pptx/LFA T1 ( Intro ) - 2023 - S2.pptx
@@ -49,24 +49,25 @@
     <p:sldId id="294" r:id="rId44"/>
     <p:sldId id="295" r:id="rId45"/>
     <p:sldId id="296" r:id="rId46"/>
+    <p:sldId id="297" r:id="rId47"/>
   </p:sldIdLst>
   <p:sldSz cy="5143500" cx="9144000"/>
   <p:notesSz cx="6858000" cy="9144000"/>
   <p:embeddedFontLst>
     <p:embeddedFont>
       <p:font typeface="Inter SemiBold"/>
-      <p:regular r:id="rId47"/>
-      <p:bold r:id="rId48"/>
+      <p:regular r:id="rId48"/>
+      <p:bold r:id="rId49"/>
     </p:embeddedFont>
     <p:embeddedFont>
       <p:font typeface="Inter"/>
-      <p:regular r:id="rId49"/>
-      <p:bold r:id="rId50"/>
+      <p:regular r:id="rId50"/>
+      <p:bold r:id="rId51"/>
     </p:embeddedFont>
     <p:embeddedFont>
       <p:font typeface="Inter Medium"/>
-      <p:regular r:id="rId51"/>
-      <p:bold r:id="rId52"/>
+      <p:regular r:id="rId52"/>
+      <p:bold r:id="rId53"/>
     </p:embeddedFont>
   </p:embeddedFontLst>
   <p:defaultTextStyle>
@@ -3237,7 +3238,7 @@
       </p:grpSpPr>
       <p:sp>
         <p:nvSpPr>
-          <p:cNvPr id="406" name="Google Shape;406;g25d2c67c1b6_0_385:notes"/>
+          <p:cNvPr id="406" name="Google Shape;406;g1e88207cd4d_0_0:notes"/>
           <p:cNvSpPr/>
           <p:nvPr>
             <p:ph idx="2" type="sldImg"/>
@@ -3272,7 +3273,7 @@
       </p:sp>
       <p:sp>
         <p:nvSpPr>
-          <p:cNvPr id="407" name="Google Shape;407;g25d2c67c1b6_0_385:notes"/>
+          <p:cNvPr id="407" name="Google Shape;407;g1e88207cd4d_0_0:notes"/>
           <p:cNvSpPr txBox="1"/>
           <p:nvPr>
             <p:ph idx="1" type="body"/>
@@ -3322,7 +3323,7 @@
   <p:cSld>
     <p:spTree>
       <p:nvGrpSpPr>
-        <p:cNvPr id="423" name="Shape 423"/>
+        <p:cNvPr id="421" name="Shape 421"/>
         <p:cNvGrpSpPr/>
         <p:nvPr/>
       </p:nvGrpSpPr>
@@ -3336,7 +3337,7 @@
       </p:grpSpPr>
       <p:sp>
         <p:nvSpPr>
-          <p:cNvPr id="424" name="Google Shape;424;g25d2c67c1b6_0_409:notes"/>
+          <p:cNvPr id="422" name="Google Shape;422;g25d2c67c1b6_0_385:notes"/>
           <p:cNvSpPr/>
           <p:nvPr>
             <p:ph idx="2" type="sldImg"/>
@@ -3371,7 +3372,7 @@
       </p:sp>
       <p:sp>
         <p:nvSpPr>
-          <p:cNvPr id="425" name="Google Shape;425;g25d2c67c1b6_0_409:notes"/>
+          <p:cNvPr id="423" name="Google Shape;423;g25d2c67c1b6_0_385:notes"/>
           <p:cNvSpPr txBox="1"/>
           <p:nvPr>
             <p:ph idx="1" type="body"/>
@@ -3421,7 +3422,7 @@
   <p:cSld>
     <p:spTree>
       <p:nvGrpSpPr>
-        <p:cNvPr id="433" name="Shape 433"/>
+        <p:cNvPr id="439" name="Shape 439"/>
         <p:cNvGrpSpPr/>
         <p:nvPr/>
       </p:nvGrpSpPr>
@@ -3435,7 +3436,7 @@
       </p:grpSpPr>
       <p:sp>
         <p:nvSpPr>
-          <p:cNvPr id="434" name="Google Shape;434;g25d2c67c1b6_0_443:notes"/>
+          <p:cNvPr id="440" name="Google Shape;440;g25d2c67c1b6_0_409:notes"/>
           <p:cNvSpPr/>
           <p:nvPr>
             <p:ph idx="2" type="sldImg"/>
@@ -3470,7 +3471,7 @@
       </p:sp>
       <p:sp>
         <p:nvSpPr>
-          <p:cNvPr id="435" name="Google Shape;435;g25d2c67c1b6_0_443:notes"/>
+          <p:cNvPr id="441" name="Google Shape;441;g25d2c67c1b6_0_409:notes"/>
           <p:cNvSpPr txBox="1"/>
           <p:nvPr>
             <p:ph idx="1" type="body"/>
@@ -3520,7 +3521,7 @@
   <p:cSld>
     <p:spTree>
       <p:nvGrpSpPr>
-        <p:cNvPr id="443" name="Shape 443"/>
+        <p:cNvPr id="449" name="Shape 449"/>
         <p:cNvGrpSpPr/>
         <p:nvPr/>
       </p:nvGrpSpPr>
@@ -3534,7 +3535,7 @@
       </p:grpSpPr>
       <p:sp>
         <p:nvSpPr>
-          <p:cNvPr id="444" name="Google Shape;444;g25d2c67c1b6_0_453:notes"/>
+          <p:cNvPr id="450" name="Google Shape;450;g25d2c67c1b6_0_443:notes"/>
           <p:cNvSpPr/>
           <p:nvPr>
             <p:ph idx="2" type="sldImg"/>
@@ -3569,7 +3570,7 @@
       </p:sp>
       <p:sp>
         <p:nvSpPr>
-          <p:cNvPr id="445" name="Google Shape;445;g25d2c67c1b6_0_453:notes"/>
+          <p:cNvPr id="451" name="Google Shape;451;g25d2c67c1b6_0_443:notes"/>
           <p:cNvSpPr txBox="1"/>
           <p:nvPr>
             <p:ph idx="1" type="body"/>
@@ -3619,7 +3620,7 @@
   <p:cSld>
     <p:spTree>
       <p:nvGrpSpPr>
-        <p:cNvPr id="453" name="Shape 453"/>
+        <p:cNvPr id="459" name="Shape 459"/>
         <p:cNvGrpSpPr/>
         <p:nvPr/>
       </p:nvGrpSpPr>
@@ -3633,7 +3634,7 @@
       </p:grpSpPr>
       <p:sp>
         <p:nvSpPr>
-          <p:cNvPr id="454" name="Google Shape;454;g25d2c67c1b6_0_461:notes"/>
+          <p:cNvPr id="460" name="Google Shape;460;g25d2c67c1b6_0_453:notes"/>
           <p:cNvSpPr/>
           <p:nvPr>
             <p:ph idx="2" type="sldImg"/>
@@ -3668,7 +3669,7 @@
       </p:sp>
       <p:sp>
         <p:nvSpPr>
-          <p:cNvPr id="455" name="Google Shape;455;g25d2c67c1b6_0_461:notes"/>
+          <p:cNvPr id="461" name="Google Shape;461;g25d2c67c1b6_0_453:notes"/>
           <p:cNvSpPr txBox="1"/>
           <p:nvPr>
             <p:ph idx="1" type="body"/>
@@ -3718,7 +3719,7 @@
   <p:cSld>
     <p:spTree>
       <p:nvGrpSpPr>
-        <p:cNvPr id="465" name="Shape 465"/>
+        <p:cNvPr id="469" name="Shape 469"/>
         <p:cNvGrpSpPr/>
         <p:nvPr/>
       </p:nvGrpSpPr>
@@ -3732,7 +3733,7 @@
       </p:grpSpPr>
       <p:sp>
         <p:nvSpPr>
-          <p:cNvPr id="466" name="Google Shape;466;g25d2c67c1b6_0_473:notes"/>
+          <p:cNvPr id="470" name="Google Shape;470;g25d2c67c1b6_0_461:notes"/>
           <p:cNvSpPr/>
           <p:nvPr>
             <p:ph idx="2" type="sldImg"/>
@@ -3767,7 +3768,7 @@
       </p:sp>
       <p:sp>
         <p:nvSpPr>
-          <p:cNvPr id="467" name="Google Shape;467;g25d2c67c1b6_0_473:notes"/>
+          <p:cNvPr id="471" name="Google Shape;471;g25d2c67c1b6_0_461:notes"/>
           <p:cNvSpPr txBox="1"/>
           <p:nvPr>
             <p:ph idx="1" type="body"/>
@@ -3817,7 +3818,7 @@
   <p:cSld>
     <p:spTree>
       <p:nvGrpSpPr>
-        <p:cNvPr id="475" name="Shape 475"/>
+        <p:cNvPr id="481" name="Shape 481"/>
         <p:cNvGrpSpPr/>
         <p:nvPr/>
       </p:nvGrpSpPr>
@@ -3831,7 +3832,7 @@
       </p:grpSpPr>
       <p:sp>
         <p:nvSpPr>
-          <p:cNvPr id="476" name="Google Shape;476;g25d2c67c1b6_0_483:notes"/>
+          <p:cNvPr id="482" name="Google Shape;482;g25d2c67c1b6_0_473:notes"/>
           <p:cNvSpPr/>
           <p:nvPr>
             <p:ph idx="2" type="sldImg"/>
@@ -3866,7 +3867,7 @@
       </p:sp>
       <p:sp>
         <p:nvSpPr>
-          <p:cNvPr id="477" name="Google Shape;477;g25d2c67c1b6_0_483:notes"/>
+          <p:cNvPr id="483" name="Google Shape;483;g25d2c67c1b6_0_473:notes"/>
           <p:cNvSpPr txBox="1"/>
           <p:nvPr>
             <p:ph idx="1" type="body"/>
@@ -3916,7 +3917,7 @@
   <p:cSld>
     <p:spTree>
       <p:nvGrpSpPr>
-        <p:cNvPr id="485" name="Shape 485"/>
+        <p:cNvPr id="491" name="Shape 491"/>
         <p:cNvGrpSpPr/>
         <p:nvPr/>
       </p:nvGrpSpPr>
@@ -3930,7 +3931,7 @@
       </p:grpSpPr>
       <p:sp>
         <p:nvSpPr>
-          <p:cNvPr id="486" name="Google Shape;486;g25d2c67c1b6_0_504:notes"/>
+          <p:cNvPr id="492" name="Google Shape;492;g25d2c67c1b6_0_483:notes"/>
           <p:cNvSpPr/>
           <p:nvPr>
             <p:ph idx="2" type="sldImg"/>
@@ -3965,7 +3966,7 @@
       </p:sp>
       <p:sp>
         <p:nvSpPr>
-          <p:cNvPr id="487" name="Google Shape;487;g25d2c67c1b6_0_504:notes"/>
+          <p:cNvPr id="493" name="Google Shape;493;g25d2c67c1b6_0_483:notes"/>
           <p:cNvSpPr txBox="1"/>
           <p:nvPr>
             <p:ph idx="1" type="body"/>
@@ -4114,7 +4115,7 @@
   <p:cSld>
     <p:spTree>
       <p:nvGrpSpPr>
-        <p:cNvPr id="495" name="Shape 495"/>
+        <p:cNvPr id="501" name="Shape 501"/>
         <p:cNvGrpSpPr/>
         <p:nvPr/>
       </p:nvGrpSpPr>
@@ -4128,7 +4129,7 @@
       </p:grpSpPr>
       <p:sp>
         <p:nvSpPr>
-          <p:cNvPr id="496" name="Google Shape;496;g25d2c67c1b6_0_513:notes"/>
+          <p:cNvPr id="502" name="Google Shape;502;g25d2c67c1b6_0_504:notes"/>
           <p:cNvSpPr/>
           <p:nvPr>
             <p:ph idx="2" type="sldImg"/>
@@ -4163,7 +4164,7 @@
       </p:sp>
       <p:sp>
         <p:nvSpPr>
-          <p:cNvPr id="497" name="Google Shape;497;g25d2c67c1b6_0_513:notes"/>
+          <p:cNvPr id="503" name="Google Shape;503;g25d2c67c1b6_0_504:notes"/>
           <p:cNvSpPr txBox="1"/>
           <p:nvPr>
             <p:ph idx="1" type="body"/>
@@ -4213,7 +4214,7 @@
   <p:cSld>
     <p:spTree>
       <p:nvGrpSpPr>
-        <p:cNvPr id="505" name="Shape 505"/>
+        <p:cNvPr id="511" name="Shape 511"/>
         <p:cNvGrpSpPr/>
         <p:nvPr/>
       </p:nvGrpSpPr>
@@ -4227,7 +4228,7 @@
       </p:grpSpPr>
       <p:sp>
         <p:nvSpPr>
-          <p:cNvPr id="506" name="Google Shape;506;g25d2c67c1b6_0_523:notes"/>
+          <p:cNvPr id="512" name="Google Shape;512;g25d2c67c1b6_0_513:notes"/>
           <p:cNvSpPr/>
           <p:nvPr>
             <p:ph idx="2" type="sldImg"/>
@@ -4262,7 +4263,106 @@
       </p:sp>
       <p:sp>
         <p:nvSpPr>
-          <p:cNvPr id="507" name="Google Shape;507;g25d2c67c1b6_0_523:notes"/>
+          <p:cNvPr id="513" name="Google Shape;513;g25d2c67c1b6_0_513:notes"/>
+          <p:cNvSpPr txBox="1"/>
+          <p:nvPr>
+            <p:ph idx="1" type="body"/>
+          </p:nvPr>
+        </p:nvSpPr>
+        <p:spPr>
+          <a:xfrm>
+            <a:off x="685800" y="4343400"/>
+            <a:ext cx="5486400" cy="4114800"/>
+          </a:xfrm>
+          <a:prstGeom prst="rect">
+            <a:avLst/>
+          </a:prstGeom>
+        </p:spPr>
+        <p:txBody>
+          <a:bodyPr anchorCtr="0" anchor="t" bIns="91425" lIns="91425" spcFirstLastPara="1" rIns="91425" wrap="square" tIns="91425">
+            <a:noAutofit/>
+          </a:bodyPr>
+          <a:lstStyle/>
+          <a:p>
+            <a:pPr indent="0" lvl="0" marL="0" rtl="0" algn="l">
+              <a:spcBef>
+                <a:spcPts val="0"/>
+              </a:spcBef>
+              <a:spcAft>
+                <a:spcPts val="0"/>
+              </a:spcAft>
+              <a:buNone/>
+            </a:pPr>
+            <a:r>
+              <a:t/>
+            </a:r>
+            <a:endParaRPr/>
+          </a:p>
+        </p:txBody>
+      </p:sp>
+    </p:spTree>
+  </p:cSld>
+  <p:clrMapOvr>
+    <a:masterClrMapping/>
+  </p:clrMapOvr>
+</p:notes>
+</file>
+
+<file path=ppt/notesSlides/notesSlide42.xml><?xml version="1.0" encoding="utf-8"?>
+<p:notes xmlns:a="http://schemas.openxmlformats.org/drawingml/2006/main" xmlns:r="http://schemas.openxmlformats.org/officeDocument/2006/relationships" xmlns:mc="http://schemas.openxmlformats.org/markup-compatibility/2006" xmlns:mv="urn:schemas-microsoft-com:mac:vml" xmlns:p="http://schemas.openxmlformats.org/presentationml/2006/main" xmlns:c="http://schemas.openxmlformats.org/drawingml/2006/chart" xmlns:dgm="http://schemas.openxmlformats.org/drawingml/2006/diagram" xmlns:o="urn:schemas-microsoft-com:office:office" xmlns:v="urn:schemas-microsoft-com:vml" xmlns:pvml="urn:schemas-microsoft-com:office:powerpoint" xmlns:com="http://schemas.openxmlformats.org/drawingml/2006/compatibility" xmlns:p14="http://schemas.microsoft.com/office/powerpoint/2010/main" xmlns:p15="http://schemas.microsoft.com/office/powerpoint/2012/main" xmlns:ahyp="http://schemas.microsoft.com/office/drawing/2018/hyperlinkcolor" showMasterPhAnim="0" showMasterSp="0">
+  <p:cSld>
+    <p:spTree>
+      <p:nvGrpSpPr>
+        <p:cNvPr id="521" name="Shape 521"/>
+        <p:cNvGrpSpPr/>
+        <p:nvPr/>
+      </p:nvGrpSpPr>
+      <p:grpSpPr>
+        <a:xfrm>
+          <a:off x="0" y="0"/>
+          <a:ext cx="0" cy="0"/>
+          <a:chOff x="0" y="0"/>
+          <a:chExt cx="0" cy="0"/>
+        </a:xfrm>
+      </p:grpSpPr>
+      <p:sp>
+        <p:nvSpPr>
+          <p:cNvPr id="522" name="Google Shape;522;g25d2c67c1b6_0_523:notes"/>
+          <p:cNvSpPr/>
+          <p:nvPr>
+            <p:ph idx="2" type="sldImg"/>
+          </p:nvPr>
+        </p:nvSpPr>
+        <p:spPr>
+          <a:xfrm>
+            <a:off x="381300" y="685800"/>
+            <a:ext cx="6096000" cy="3429000"/>
+          </a:xfrm>
+          <a:custGeom>
+            <a:rect b="b" l="l" r="r" t="t"/>
+            <a:pathLst>
+              <a:path extrusionOk="0" h="120000" w="120000">
+                <a:moveTo>
+                  <a:pt x="0" y="0"/>
+                </a:moveTo>
+                <a:lnTo>
+                  <a:pt x="120000" y="0"/>
+                </a:lnTo>
+                <a:lnTo>
+                  <a:pt x="120000" y="120000"/>
+                </a:lnTo>
+                <a:lnTo>
+                  <a:pt x="0" y="120000"/>
+                </a:lnTo>
+                <a:close/>
+              </a:path>
+            </a:pathLst>
+          </a:custGeom>
+        </p:spPr>
+      </p:sp>
+      <p:sp>
+        <p:nvSpPr>
+          <p:cNvPr id="523" name="Google Shape;523;g25d2c67c1b6_0_523:notes"/>
           <p:cNvSpPr txBox="1"/>
           <p:nvPr>
             <p:ph idx="1" type="body"/>
@@ -15450,7 +15550,7 @@
                 <a:cs typeface="Inter Medium"/>
                 <a:sym typeface="Inter Medium"/>
               </a:rPr>
-              <a:t>Teóricas: Miércoles de 19 a 21 hs </a:t>
+              <a:t>Teóricas: Miércoles de 18:30 a 20:30 hs </a:t>
             </a:r>
             <a:r>
               <a:rPr lang="es" sz="1600">
@@ -15474,7 +15574,7 @@
                 <a:cs typeface="Inter Medium"/>
                 <a:sym typeface="Inter Medium"/>
               </a:rPr>
-              <a:t>Aula: 118 </a:t>
+              <a:t>Aula: 249 </a:t>
             </a:r>
             <a:endParaRPr sz="1600">
               <a:solidFill>
@@ -22246,6 +22346,18 @@
               <a:buNone/>
             </a:pPr>
             <a:r>
+              <a:rPr b="1" lang="es" sz="1400">
+                <a:solidFill>
+                  <a:schemeClr val="dk1"/>
+                </a:solidFill>
+                <a:latin typeface="Inter"/>
+                <a:ea typeface="Inter"/>
+                <a:cs typeface="Inter"/>
+                <a:sym typeface="Inter"/>
+              </a:rPr>
+              <a:t>Este conjunto de definiciones se llaman </a:t>
+            </a:r>
+            <a:r>
               <a:rPr b="1" i="1" lang="es" sz="1400">
                 <a:solidFill>
                   <a:schemeClr val="dk1"/>
@@ -22255,7 +22367,7 @@
                 <a:cs typeface="Inter"/>
                 <a:sym typeface="Inter"/>
               </a:rPr>
-              <a:t>	Gramática						Derivación de la cadena “ab”   </a:t>
+              <a:t>reglas de producción/reducción</a:t>
             </a:r>
             <a:endParaRPr b="1" i="1" sz="1400">
               <a:solidFill>
@@ -22268,7 +22380,7 @@
             </a:endParaRPr>
           </a:p>
           <a:p>
-            <a:pPr indent="457200" lvl="0" marL="5486400" rtl="0" algn="l">
+            <a:pPr indent="0" lvl="0" marL="0" rtl="0" algn="l">
               <a:lnSpc>
                 <a:spcPct val="115000"/>
               </a:lnSpc>
@@ -22281,18 +22393,9 @@
               <a:buNone/>
             </a:pPr>
             <a:r>
-              <a:rPr b="1" i="1" lang="es" sz="1200">
-                <a:solidFill>
-                  <a:schemeClr val="dk1"/>
-                </a:solidFill>
-                <a:latin typeface="Inter"/>
-                <a:ea typeface="Inter"/>
-                <a:cs typeface="Inter"/>
-                <a:sym typeface="Inter"/>
-              </a:rPr>
-              <a:t>( S reduce en dos pasos a ab )</a:t>
-            </a:r>
-            <a:endParaRPr b="1" i="1" sz="1200">
+              <a:t/>
+            </a:r>
+            <a:endParaRPr b="1" i="1" sz="1400">
               <a:solidFill>
                 <a:schemeClr val="dk1"/>
               </a:solidFill>
@@ -22303,7 +22406,7 @@
             </a:endParaRPr>
           </a:p>
           <a:p>
-            <a:pPr indent="457200" lvl="0" marL="5486400" rtl="0" algn="l">
+            <a:pPr indent="0" lvl="0" marL="0" rtl="0" algn="l">
               <a:lnSpc>
                 <a:spcPct val="115000"/>
               </a:lnSpc>
@@ -22318,7 +22421,7 @@
             <a:r>
               <a:t/>
             </a:r>
-            <a:endParaRPr b="1" i="1" sz="1200">
+            <a:endParaRPr b="1" i="1" sz="1400">
               <a:solidFill>
                 <a:schemeClr val="dk1"/>
               </a:solidFill>
@@ -22329,7 +22432,7 @@
             </a:endParaRPr>
           </a:p>
           <a:p>
-            <a:pPr indent="457200" lvl="0" marL="5486400" rtl="0" algn="l">
+            <a:pPr indent="0" lvl="0" marL="0" rtl="0" algn="l">
               <a:lnSpc>
                 <a:spcPct val="115000"/>
               </a:lnSpc>
@@ -22344,7 +22447,7 @@
             <a:r>
               <a:t/>
             </a:r>
-            <a:endParaRPr b="1" i="1" sz="1200">
+            <a:endParaRPr b="1" i="1" sz="1400">
               <a:solidFill>
                 <a:schemeClr val="dk1"/>
               </a:solidFill>
@@ -22355,7 +22458,10 @@
             </a:endParaRPr>
           </a:p>
           <a:p>
-            <a:pPr indent="457200" lvl="0" marL="3200400" rtl="0" algn="l">
+            <a:pPr indent="457200" lvl="0" marL="914400" rtl="0" algn="l">
+              <a:lnSpc>
+                <a:spcPct val="115000"/>
+              </a:lnSpc>
               <a:spcBef>
                 <a:spcPts val="1200"/>
               </a:spcBef>
@@ -22374,7 +22480,7 @@
                 <a:cs typeface="Inter"/>
                 <a:sym typeface="Inter"/>
               </a:rPr>
-              <a:t>Derivación de la cadena “aabb”   </a:t>
+              <a:t>									       No terminal</a:t>
             </a:r>
             <a:endParaRPr b="1" i="1" sz="1400">
               <a:solidFill>
@@ -22388,11 +22494,14 @@
           </a:p>
           <a:p>
             <a:pPr indent="0" lvl="0" marL="0" rtl="0" algn="l">
+              <a:lnSpc>
+                <a:spcPct val="115000"/>
+              </a:lnSpc>
               <a:spcBef>
                 <a:spcPts val="1200"/>
               </a:spcBef>
               <a:spcAft>
-                <a:spcPts val="0"/>
+                <a:spcPts val="1200"/>
               </a:spcAft>
               <a:buNone/>
             </a:pPr>
@@ -22406,7 +22515,7 @@
                 <a:cs typeface="Inter"/>
                 <a:sym typeface="Inter"/>
               </a:rPr>
-              <a:t>	Lenguaje</a:t>
+              <a:t>No terminal/Variable                               Terminal              </a:t>
             </a:r>
             <a:endParaRPr b="1" i="1" sz="1400">
               <a:solidFill>
@@ -22418,80 +22527,6 @@
               <a:sym typeface="Inter"/>
             </a:endParaRPr>
           </a:p>
-          <a:p>
-            <a:pPr indent="0" lvl="0" marL="5486400" rtl="0" algn="l">
-              <a:spcBef>
-                <a:spcPts val="1200"/>
-              </a:spcBef>
-              <a:spcAft>
-                <a:spcPts val="0"/>
-              </a:spcAft>
-              <a:buNone/>
-            </a:pPr>
-            <a:r>
-              <a:t/>
-            </a:r>
-            <a:endParaRPr b="1" i="1" sz="1200">
-              <a:solidFill>
-                <a:schemeClr val="dk1"/>
-              </a:solidFill>
-              <a:latin typeface="Inter"/>
-              <a:ea typeface="Inter"/>
-              <a:cs typeface="Inter"/>
-              <a:sym typeface="Inter"/>
-            </a:endParaRPr>
-          </a:p>
-          <a:p>
-            <a:pPr indent="0" lvl="0" marL="5486400" rtl="0" algn="l">
-              <a:spcBef>
-                <a:spcPts val="1200"/>
-              </a:spcBef>
-              <a:spcAft>
-                <a:spcPts val="0"/>
-              </a:spcAft>
-              <a:buNone/>
-            </a:pPr>
-            <a:r>
-              <a:t/>
-            </a:r>
-            <a:endParaRPr b="1" i="1" sz="1200">
-              <a:solidFill>
-                <a:schemeClr val="dk1"/>
-              </a:solidFill>
-              <a:latin typeface="Inter"/>
-              <a:ea typeface="Inter"/>
-              <a:cs typeface="Inter"/>
-              <a:sym typeface="Inter"/>
-            </a:endParaRPr>
-          </a:p>
-          <a:p>
-            <a:pPr indent="0" lvl="0" marL="5486400" rtl="0" algn="l">
-              <a:spcBef>
-                <a:spcPts val="1200"/>
-              </a:spcBef>
-              <a:spcAft>
-                <a:spcPts val="1200"/>
-              </a:spcAft>
-              <a:buClr>
-                <a:schemeClr val="dk1"/>
-              </a:buClr>
-              <a:buSzPts val="1100"/>
-              <a:buFont typeface="Arial"/>
-              <a:buNone/>
-            </a:pPr>
-            <a:r>
-              <a:t/>
-            </a:r>
-            <a:endParaRPr b="1" i="1" sz="1400">
-              <a:solidFill>
-                <a:schemeClr val="dk1"/>
-              </a:solidFill>
-              <a:latin typeface="Inter"/>
-              <a:ea typeface="Inter"/>
-              <a:cs typeface="Inter"/>
-              <a:sym typeface="Inter"/>
-            </a:endParaRPr>
-          </a:p>
         </p:txBody>
       </p:sp>
       <p:sp>
@@ -22533,7 +22568,7 @@
                 <a:cs typeface="Inter Medium"/>
                 <a:sym typeface="Inter Medium"/>
               </a:rPr>
-              <a:t>Ejemplo</a:t>
+              <a:t>Notación</a:t>
             </a:r>
             <a:endParaRPr>
               <a:latin typeface="Inter Medium"/>
@@ -22671,8 +22706,8 @@
         </p:blipFill>
         <p:spPr>
           <a:xfrm>
-            <a:off x="895382" y="1568900"/>
-            <a:ext cx="865143" cy="572700"/>
+            <a:off x="1365587" y="2007125"/>
+            <a:ext cx="2020175" cy="867025"/>
           </a:xfrm>
           <a:prstGeom prst="rect">
             <a:avLst/>
@@ -22683,9 +22718,61 @@
           </a:ln>
         </p:spPr>
       </p:pic>
+      <p:cxnSp>
+        <p:nvCxnSpPr>
+          <p:cNvPr id="414" name="Google Shape;414;p44"/>
+          <p:cNvCxnSpPr/>
+          <p:nvPr/>
+        </p:nvCxnSpPr>
+        <p:spPr>
+          <a:xfrm flipH="1" rot="10800000">
+            <a:off x="1109375" y="2874150"/>
+            <a:ext cx="288300" cy="273900"/>
+          </a:xfrm>
+          <a:prstGeom prst="straightConnector1">
+            <a:avLst/>
+          </a:prstGeom>
+          <a:noFill/>
+          <a:ln cap="flat" cmpd="sng" w="9525">
+            <a:solidFill>
+              <a:schemeClr val="dk2"/>
+            </a:solidFill>
+            <a:prstDash val="solid"/>
+            <a:round/>
+            <a:headEnd len="med" w="med" type="none"/>
+            <a:tailEnd len="med" w="med" type="triangle"/>
+          </a:ln>
+        </p:spPr>
+      </p:cxnSp>
+      <p:cxnSp>
+        <p:nvCxnSpPr>
+          <p:cNvPr id="415" name="Google Shape;415;p44"/>
+          <p:cNvCxnSpPr/>
+          <p:nvPr/>
+        </p:nvCxnSpPr>
+        <p:spPr>
+          <a:xfrm rot="10800000">
+            <a:off x="3349675" y="2884975"/>
+            <a:ext cx="410700" cy="306300"/>
+          </a:xfrm>
+          <a:prstGeom prst="straightConnector1">
+            <a:avLst/>
+          </a:prstGeom>
+          <a:noFill/>
+          <a:ln cap="flat" cmpd="sng" w="9525">
+            <a:solidFill>
+              <a:schemeClr val="dk2"/>
+            </a:solidFill>
+            <a:prstDash val="solid"/>
+            <a:round/>
+            <a:headEnd len="med" w="med" type="none"/>
+            <a:tailEnd len="med" w="med" type="triangle"/>
+          </a:ln>
+        </p:spPr>
+      </p:cxnSp>
       <p:pic>
         <p:nvPicPr>
-          <p:cNvPr id="414" name="Google Shape;414;p44"/>
+          <p:cNvPr id="416" name="Google Shape;416;p44"/>
           <p:cNvPicPr preferRelativeResize="0"/>
           <p:nvPr/>
         </p:nvPicPr>
@@ -22699,8 +22786,8 @@
         </p:blipFill>
         <p:spPr>
           <a:xfrm>
-            <a:off x="4432075" y="1568900"/>
-            <a:ext cx="1742375" cy="715975"/>
+            <a:off x="5200316" y="2007119"/>
+            <a:ext cx="3165033" cy="378900"/>
           </a:xfrm>
           <a:prstGeom prst="rect">
             <a:avLst/>
@@ -22713,14 +22800,14 @@
       </p:pic>
       <p:cxnSp>
         <p:nvCxnSpPr>
-          <p:cNvPr id="415" name="Google Shape;415;p44"/>
+          <p:cNvPr id="417" name="Google Shape;417;p44"/>
           <p:cNvCxnSpPr/>
           <p:nvPr/>
         </p:nvCxnSpPr>
         <p:spPr>
-          <a:xfrm flipH="1" rot="10800000">
-            <a:off x="4970600" y="1829875"/>
-            <a:ext cx="122400" cy="223200"/>
+          <a:xfrm rot="10800000">
+            <a:off x="5813400" y="2405950"/>
+            <a:ext cx="489900" cy="374700"/>
           </a:xfrm>
           <a:prstGeom prst="straightConnector1">
             <a:avLst/>
@@ -22739,14 +22826,16 @@
       </p:cxnSp>
       <p:cxnSp>
         <p:nvCxnSpPr>
-          <p:cNvPr id="416" name="Google Shape;416;p44"/>
-          <p:cNvCxnSpPr/>
+          <p:cNvPr id="418" name="Google Shape;418;p44"/>
+          <p:cNvCxnSpPr>
+            <a:endCxn id="416" idx="2"/>
+          </p:cNvCxnSpPr>
           <p:nvPr/>
         </p:nvCxnSpPr>
         <p:spPr>
-          <a:xfrm rot="10800000">
-            <a:off x="5719875" y="1837100"/>
-            <a:ext cx="158400" cy="252000"/>
+          <a:xfrm flipH="1" rot="10800000">
+            <a:off x="6771433" y="2386019"/>
+            <a:ext cx="11400" cy="372900"/>
           </a:xfrm>
           <a:prstGeom prst="straightConnector1">
             <a:avLst/>
@@ -22763,44 +22852,16 @@
           </a:ln>
         </p:spPr>
       </p:cxnSp>
-      <p:pic>
-        <p:nvPicPr>
-          <p:cNvPr id="417" name="Google Shape;417;p44"/>
-          <p:cNvPicPr preferRelativeResize="0"/>
-          <p:nvPr/>
-        </p:nvPicPr>
-        <p:blipFill>
-          <a:blip r:embed="rId5">
-            <a:alphaModFix/>
-          </a:blip>
-          <a:stretch>
-            <a:fillRect/>
-          </a:stretch>
-        </p:blipFill>
-        <p:spPr>
-          <a:xfrm>
-            <a:off x="4432076" y="3090125"/>
-            <a:ext cx="2135426" cy="829625"/>
-          </a:xfrm>
-          <a:prstGeom prst="rect">
-            <a:avLst/>
-          </a:prstGeom>
-          <a:noFill/>
-          <a:ln>
-            <a:noFill/>
-          </a:ln>
-        </p:spPr>
-      </p:pic>
       <p:cxnSp>
         <p:nvCxnSpPr>
-          <p:cNvPr id="418" name="Google Shape;418;p44"/>
+          <p:cNvPr id="419" name="Google Shape;419;p44"/>
           <p:cNvCxnSpPr/>
           <p:nvPr/>
         </p:nvCxnSpPr>
         <p:spPr>
-          <a:xfrm rot="10800000">
-            <a:off x="4769000" y="3356850"/>
-            <a:ext cx="172800" cy="360300"/>
+          <a:xfrm flipH="1" rot="10800000">
+            <a:off x="7167775" y="2405950"/>
+            <a:ext cx="425100" cy="360300"/>
           </a:xfrm>
           <a:prstGeom prst="straightConnector1">
             <a:avLst/>
@@ -22817,89 +22878,9 @@
           </a:ln>
         </p:spPr>
       </p:cxnSp>
-      <p:cxnSp>
-        <p:nvCxnSpPr>
-          <p:cNvPr id="419" name="Google Shape;419;p44"/>
-          <p:cNvCxnSpPr/>
-          <p:nvPr/>
-        </p:nvCxnSpPr>
-        <p:spPr>
-          <a:xfrm flipH="1" rot="10800000">
-            <a:off x="5114675" y="3364050"/>
-            <a:ext cx="108000" cy="367500"/>
-          </a:xfrm>
-          <a:prstGeom prst="straightConnector1">
-            <a:avLst/>
-          </a:prstGeom>
-          <a:noFill/>
-          <a:ln cap="flat" cmpd="sng" w="9525">
-            <a:solidFill>
-              <a:schemeClr val="dk2"/>
-            </a:solidFill>
-            <a:prstDash val="solid"/>
-            <a:round/>
-            <a:headEnd len="med" w="med" type="none"/>
-            <a:tailEnd len="med" w="med" type="triangle"/>
-          </a:ln>
-        </p:spPr>
-      </p:cxnSp>
-      <p:cxnSp>
-        <p:nvCxnSpPr>
+      <p:sp>
+        <p:nvSpPr>
           <p:cNvPr id="420" name="Google Shape;420;p44"/>
-          <p:cNvCxnSpPr/>
-          <p:nvPr/>
-        </p:nvCxnSpPr>
-        <p:spPr>
-          <a:xfrm rot="10800000">
-            <a:off x="6044000" y="3335225"/>
-            <a:ext cx="43200" cy="353100"/>
-          </a:xfrm>
-          <a:prstGeom prst="straightConnector1">
-            <a:avLst/>
-          </a:prstGeom>
-          <a:noFill/>
-          <a:ln cap="flat" cmpd="sng" w="9525">
-            <a:solidFill>
-              <a:schemeClr val="dk2"/>
-            </a:solidFill>
-            <a:prstDash val="solid"/>
-            <a:round/>
-            <a:headEnd len="med" w="med" type="none"/>
-            <a:tailEnd len="med" w="med" type="triangle"/>
-          </a:ln>
-        </p:spPr>
-      </p:cxnSp>
-      <p:pic>
-        <p:nvPicPr>
-          <p:cNvPr id="421" name="Google Shape;421;p44"/>
-          <p:cNvPicPr preferRelativeResize="0"/>
-          <p:nvPr/>
-        </p:nvPicPr>
-        <p:blipFill>
-          <a:blip r:embed="rId6">
-            <a:alphaModFix/>
-          </a:blip>
-          <a:stretch>
-            <a:fillRect/>
-          </a:stretch>
-        </p:blipFill>
-        <p:spPr>
-          <a:xfrm>
-            <a:off x="852150" y="3436528"/>
-            <a:ext cx="1742374" cy="352247"/>
-          </a:xfrm>
-          <a:prstGeom prst="rect">
-            <a:avLst/>
-          </a:prstGeom>
-          <a:noFill/>
-          <a:ln>
-            <a:noFill/>
-          </a:ln>
-        </p:spPr>
-      </p:pic>
-      <p:sp>
-        <p:nvSpPr>
-          <p:cNvPr id="422" name="Google Shape;422;p44"/>
           <p:cNvSpPr txBox="1"/>
           <p:nvPr>
             <p:ph idx="12" type="sldNum"/>
@@ -22950,7 +22931,7 @@
   <p:cSld>
     <p:spTree>
       <p:nvGrpSpPr>
-        <p:cNvPr id="426" name="Shape 426"/>
+        <p:cNvPr id="424" name="Shape 424"/>
         <p:cNvGrpSpPr/>
         <p:nvPr/>
       </p:nvGrpSpPr>
@@ -22964,7 +22945,7 @@
       </p:grpSpPr>
       <p:sp>
         <p:nvSpPr>
-          <p:cNvPr id="427" name="Google Shape;427;p45"/>
+          <p:cNvPr id="425" name="Google Shape;425;p45"/>
           <p:cNvSpPr txBox="1"/>
           <p:nvPr>
             <p:ph idx="1" type="body"/>
@@ -22987,7 +22968,7 @@
           <a:p>
             <a:pPr indent="0" lvl="0" marL="0" rtl="0" algn="l">
               <a:lnSpc>
-                <a:spcPct val="150000"/>
+                <a:spcPct val="115000"/>
               </a:lnSpc>
               <a:spcBef>
                 <a:spcPts val="0"/>
@@ -22998,7 +22979,350 @@
               <a:buNone/>
             </a:pPr>
             <a:r>
+              <a:rPr b="1" i="1" lang="es" sz="1400">
+                <a:solidFill>
+                  <a:schemeClr val="dk1"/>
+                </a:solidFill>
+                <a:latin typeface="Inter"/>
+                <a:ea typeface="Inter"/>
+                <a:cs typeface="Inter"/>
+                <a:sym typeface="Inter"/>
+              </a:rPr>
+              <a:t>	Gramática						Derivación de la cadena “ab”   </a:t>
+            </a:r>
+            <a:endParaRPr b="1" i="1" sz="1400">
+              <a:solidFill>
+                <a:schemeClr val="dk1"/>
+              </a:solidFill>
+              <a:latin typeface="Inter"/>
+              <a:ea typeface="Inter"/>
+              <a:cs typeface="Inter"/>
+              <a:sym typeface="Inter"/>
+            </a:endParaRPr>
+          </a:p>
+          <a:p>
+            <a:pPr indent="457200" lvl="0" marL="5486400" rtl="0" algn="l">
+              <a:lnSpc>
+                <a:spcPct val="115000"/>
+              </a:lnSpc>
+              <a:spcBef>
+                <a:spcPts val="1200"/>
+              </a:spcBef>
+              <a:spcAft>
+                <a:spcPts val="0"/>
+              </a:spcAft>
+              <a:buNone/>
+            </a:pPr>
+            <a:r>
+              <a:rPr b="1" i="1" lang="es" sz="1200">
+                <a:solidFill>
+                  <a:schemeClr val="dk1"/>
+                </a:solidFill>
+                <a:latin typeface="Inter"/>
+                <a:ea typeface="Inter"/>
+                <a:cs typeface="Inter"/>
+                <a:sym typeface="Inter"/>
+              </a:rPr>
+              <a:t>( S reduce en dos pasos a ab )</a:t>
+            </a:r>
+            <a:endParaRPr b="1" i="1" sz="1200">
+              <a:solidFill>
+                <a:schemeClr val="dk1"/>
+              </a:solidFill>
+              <a:latin typeface="Inter"/>
+              <a:ea typeface="Inter"/>
+              <a:cs typeface="Inter"/>
+              <a:sym typeface="Inter"/>
+            </a:endParaRPr>
+          </a:p>
+          <a:p>
+            <a:pPr indent="457200" lvl="0" marL="5486400" rtl="0" algn="l">
+              <a:lnSpc>
+                <a:spcPct val="115000"/>
+              </a:lnSpc>
+              <a:spcBef>
+                <a:spcPts val="1200"/>
+              </a:spcBef>
+              <a:spcAft>
+                <a:spcPts val="0"/>
+              </a:spcAft>
+              <a:buNone/>
+            </a:pPr>
+            <a:r>
               <a:t/>
+            </a:r>
+            <a:endParaRPr b="1" i="1" sz="1200">
+              <a:solidFill>
+                <a:schemeClr val="dk1"/>
+              </a:solidFill>
+              <a:latin typeface="Inter"/>
+              <a:ea typeface="Inter"/>
+              <a:cs typeface="Inter"/>
+              <a:sym typeface="Inter"/>
+            </a:endParaRPr>
+          </a:p>
+          <a:p>
+            <a:pPr indent="457200" lvl="0" marL="5486400" rtl="0" algn="l">
+              <a:lnSpc>
+                <a:spcPct val="115000"/>
+              </a:lnSpc>
+              <a:spcBef>
+                <a:spcPts val="1200"/>
+              </a:spcBef>
+              <a:spcAft>
+                <a:spcPts val="0"/>
+              </a:spcAft>
+              <a:buNone/>
+            </a:pPr>
+            <a:r>
+              <a:t/>
+            </a:r>
+            <a:endParaRPr b="1" i="1" sz="1200">
+              <a:solidFill>
+                <a:schemeClr val="dk1"/>
+              </a:solidFill>
+              <a:latin typeface="Inter"/>
+              <a:ea typeface="Inter"/>
+              <a:cs typeface="Inter"/>
+              <a:sym typeface="Inter"/>
+            </a:endParaRPr>
+          </a:p>
+          <a:p>
+            <a:pPr indent="457200" lvl="0" marL="3200400" rtl="0" algn="l">
+              <a:spcBef>
+                <a:spcPts val="1200"/>
+              </a:spcBef>
+              <a:spcAft>
+                <a:spcPts val="0"/>
+              </a:spcAft>
+              <a:buNone/>
+            </a:pPr>
+            <a:r>
+              <a:rPr b="1" i="1" lang="es" sz="1400">
+                <a:solidFill>
+                  <a:schemeClr val="dk1"/>
+                </a:solidFill>
+                <a:latin typeface="Inter"/>
+                <a:ea typeface="Inter"/>
+                <a:cs typeface="Inter"/>
+                <a:sym typeface="Inter"/>
+              </a:rPr>
+              <a:t>Derivación de la cadena “aabb”   </a:t>
+            </a:r>
+            <a:endParaRPr b="1" i="1" sz="1400">
+              <a:solidFill>
+                <a:schemeClr val="dk1"/>
+              </a:solidFill>
+              <a:latin typeface="Inter"/>
+              <a:ea typeface="Inter"/>
+              <a:cs typeface="Inter"/>
+              <a:sym typeface="Inter"/>
+            </a:endParaRPr>
+          </a:p>
+          <a:p>
+            <a:pPr indent="0" lvl="0" marL="0" rtl="0" algn="l">
+              <a:spcBef>
+                <a:spcPts val="1200"/>
+              </a:spcBef>
+              <a:spcAft>
+                <a:spcPts val="0"/>
+              </a:spcAft>
+              <a:buNone/>
+            </a:pPr>
+            <a:r>
+              <a:rPr b="1" i="1" lang="es" sz="1400">
+                <a:solidFill>
+                  <a:schemeClr val="dk1"/>
+                </a:solidFill>
+                <a:latin typeface="Inter"/>
+                <a:ea typeface="Inter"/>
+                <a:cs typeface="Inter"/>
+                <a:sym typeface="Inter"/>
+              </a:rPr>
+              <a:t>	Lenguaje</a:t>
+            </a:r>
+            <a:endParaRPr b="1" i="1" sz="1400">
+              <a:solidFill>
+                <a:schemeClr val="dk1"/>
+              </a:solidFill>
+              <a:latin typeface="Inter"/>
+              <a:ea typeface="Inter"/>
+              <a:cs typeface="Inter"/>
+              <a:sym typeface="Inter"/>
+            </a:endParaRPr>
+          </a:p>
+          <a:p>
+            <a:pPr indent="0" lvl="0" marL="5486400" rtl="0" algn="l">
+              <a:spcBef>
+                <a:spcPts val="1200"/>
+              </a:spcBef>
+              <a:spcAft>
+                <a:spcPts val="0"/>
+              </a:spcAft>
+              <a:buNone/>
+            </a:pPr>
+            <a:r>
+              <a:t/>
+            </a:r>
+            <a:endParaRPr b="1" i="1" sz="1200">
+              <a:solidFill>
+                <a:schemeClr val="dk1"/>
+              </a:solidFill>
+              <a:latin typeface="Inter"/>
+              <a:ea typeface="Inter"/>
+              <a:cs typeface="Inter"/>
+              <a:sym typeface="Inter"/>
+            </a:endParaRPr>
+          </a:p>
+          <a:p>
+            <a:pPr indent="0" lvl="0" marL="5486400" rtl="0" algn="l">
+              <a:spcBef>
+                <a:spcPts val="1200"/>
+              </a:spcBef>
+              <a:spcAft>
+                <a:spcPts val="0"/>
+              </a:spcAft>
+              <a:buNone/>
+            </a:pPr>
+            <a:r>
+              <a:t/>
+            </a:r>
+            <a:endParaRPr b="1" i="1" sz="1200">
+              <a:solidFill>
+                <a:schemeClr val="dk1"/>
+              </a:solidFill>
+              <a:latin typeface="Inter"/>
+              <a:ea typeface="Inter"/>
+              <a:cs typeface="Inter"/>
+              <a:sym typeface="Inter"/>
+            </a:endParaRPr>
+          </a:p>
+          <a:p>
+            <a:pPr indent="0" lvl="0" marL="5486400" rtl="0" algn="l">
+              <a:spcBef>
+                <a:spcPts val="1200"/>
+              </a:spcBef>
+              <a:spcAft>
+                <a:spcPts val="1200"/>
+              </a:spcAft>
+              <a:buClr>
+                <a:schemeClr val="dk1"/>
+              </a:buClr>
+              <a:buSzPts val="1100"/>
+              <a:buFont typeface="Arial"/>
+              <a:buNone/>
+            </a:pPr>
+            <a:r>
+              <a:t/>
+            </a:r>
+            <a:endParaRPr b="1" i="1" sz="1400">
+              <a:solidFill>
+                <a:schemeClr val="dk1"/>
+              </a:solidFill>
+              <a:latin typeface="Inter"/>
+              <a:ea typeface="Inter"/>
+              <a:cs typeface="Inter"/>
+              <a:sym typeface="Inter"/>
+            </a:endParaRPr>
+          </a:p>
+        </p:txBody>
+      </p:sp>
+      <p:sp>
+        <p:nvSpPr>
+          <p:cNvPr id="426" name="Google Shape;426;p45"/>
+          <p:cNvSpPr txBox="1"/>
+          <p:nvPr>
+            <p:ph type="title"/>
+          </p:nvPr>
+        </p:nvSpPr>
+        <p:spPr>
+          <a:xfrm>
+            <a:off x="311700" y="445025"/>
+            <a:ext cx="8520600" cy="572700"/>
+          </a:xfrm>
+          <a:prstGeom prst="rect">
+            <a:avLst/>
+          </a:prstGeom>
+        </p:spPr>
+        <p:txBody>
+          <a:bodyPr anchorCtr="0" anchor="t" bIns="91425" lIns="91425" spcFirstLastPara="1" rIns="91425" wrap="square" tIns="91425">
+            <a:normAutofit fontScale="90000"/>
+          </a:bodyPr>
+          <a:lstStyle/>
+          <a:p>
+            <a:pPr indent="0" lvl="0" marL="0" rtl="0" algn="l">
+              <a:spcBef>
+                <a:spcPts val="0"/>
+              </a:spcBef>
+              <a:spcAft>
+                <a:spcPts val="0"/>
+              </a:spcAft>
+              <a:buNone/>
+            </a:pPr>
+            <a:r>
+              <a:rPr lang="es">
+                <a:latin typeface="Inter Medium"/>
+                <a:ea typeface="Inter Medium"/>
+                <a:cs typeface="Inter Medium"/>
+                <a:sym typeface="Inter Medium"/>
+              </a:rPr>
+              <a:t>Ejemplo</a:t>
+            </a:r>
+            <a:endParaRPr>
+              <a:latin typeface="Inter Medium"/>
+              <a:ea typeface="Inter Medium"/>
+              <a:cs typeface="Inter Medium"/>
+              <a:sym typeface="Inter Medium"/>
+            </a:endParaRPr>
+          </a:p>
+        </p:txBody>
+      </p:sp>
+      <p:sp>
+        <p:nvSpPr>
+          <p:cNvPr id="427" name="Google Shape;427;p45"/>
+          <p:cNvSpPr txBox="1"/>
+          <p:nvPr>
+            <p:ph idx="4294967295" type="subTitle"/>
+          </p:nvPr>
+        </p:nvSpPr>
+        <p:spPr>
+          <a:xfrm>
+            <a:off x="0" y="4764600"/>
+            <a:ext cx="3189000" cy="378900"/>
+          </a:xfrm>
+          <a:prstGeom prst="rect">
+            <a:avLst/>
+          </a:prstGeom>
+        </p:spPr>
+        <p:txBody>
+          <a:bodyPr anchorCtr="0" anchor="t" bIns="91425" lIns="91425" spcFirstLastPara="1" rIns="91425" wrap="square" tIns="91425">
+            <a:normAutofit/>
+          </a:bodyPr>
+          <a:lstStyle/>
+          <a:p>
+            <a:pPr indent="0" lvl="0" marL="0" rtl="0" algn="l">
+              <a:lnSpc>
+                <a:spcPct val="90000"/>
+              </a:lnSpc>
+              <a:spcBef>
+                <a:spcPts val="0"/>
+              </a:spcBef>
+              <a:spcAft>
+                <a:spcPts val="1200"/>
+              </a:spcAft>
+              <a:buNone/>
+            </a:pPr>
+            <a:r>
+              <a:rPr lang="es" sz="1200">
+                <a:solidFill>
+                  <a:schemeClr val="dk1"/>
+                </a:solidFill>
+                <a:latin typeface="Inter Medium"/>
+                <a:ea typeface="Inter Medium"/>
+                <a:cs typeface="Inter Medium"/>
+                <a:sym typeface="Inter Medium"/>
+              </a:rPr>
+              <a:t>Universidad Nacional de Quilmes</a:t>
             </a:r>
             <a:endParaRPr sz="1200">
               <a:solidFill>
@@ -23010,372 +23334,11 @@
               <a:sym typeface="Inter Medium"/>
             </a:endParaRPr>
           </a:p>
-          <a:p>
-            <a:pPr indent="0" lvl="0" marL="0" rtl="0" algn="l">
-              <a:lnSpc>
-                <a:spcPct val="150000"/>
-              </a:lnSpc>
-              <a:spcBef>
-                <a:spcPts val="1200"/>
-              </a:spcBef>
-              <a:spcAft>
-                <a:spcPts val="0"/>
-              </a:spcAft>
-              <a:buNone/>
-            </a:pPr>
-            <a:r>
-              <a:t/>
-            </a:r>
-            <a:endParaRPr sz="1200">
-              <a:solidFill>
-                <a:schemeClr val="dk1"/>
-              </a:solidFill>
-              <a:latin typeface="Inter Medium"/>
-              <a:ea typeface="Inter Medium"/>
-              <a:cs typeface="Inter Medium"/>
-              <a:sym typeface="Inter Medium"/>
-            </a:endParaRPr>
-          </a:p>
-          <a:p>
-            <a:pPr indent="0" lvl="0" marL="0" rtl="0" algn="l">
-              <a:lnSpc>
-                <a:spcPct val="150000"/>
-              </a:lnSpc>
-              <a:spcBef>
-                <a:spcPts val="1200"/>
-              </a:spcBef>
-              <a:spcAft>
-                <a:spcPts val="0"/>
-              </a:spcAft>
-              <a:buNone/>
-            </a:pPr>
-            <a:r>
-              <a:t/>
-            </a:r>
-            <a:endParaRPr b="1" sz="1300">
-              <a:solidFill>
-                <a:schemeClr val="dk1"/>
-              </a:solidFill>
-              <a:latin typeface="Inter"/>
-              <a:ea typeface="Inter"/>
-              <a:cs typeface="Inter"/>
-              <a:sym typeface="Inter"/>
-            </a:endParaRPr>
-          </a:p>
-          <a:p>
-            <a:pPr indent="457200" lvl="0" marL="0" rtl="0" algn="l">
-              <a:lnSpc>
-                <a:spcPct val="150000"/>
-              </a:lnSpc>
-              <a:spcBef>
-                <a:spcPts val="1200"/>
-              </a:spcBef>
-              <a:spcAft>
-                <a:spcPts val="0"/>
-              </a:spcAft>
-              <a:buNone/>
-            </a:pPr>
-            <a:r>
-              <a:rPr b="1" lang="es" sz="1300">
-                <a:solidFill>
-                  <a:schemeClr val="dk1"/>
-                </a:solidFill>
-                <a:latin typeface="Inter"/>
-                <a:ea typeface="Inter"/>
-                <a:cs typeface="Inter"/>
-                <a:sym typeface="Inter"/>
-              </a:rPr>
-              <a:t>V: </a:t>
-            </a:r>
-            <a:r>
-              <a:rPr lang="es" sz="1300">
-                <a:solidFill>
-                  <a:schemeClr val="dk1"/>
-                </a:solidFill>
-                <a:latin typeface="Inter Medium"/>
-                <a:ea typeface="Inter Medium"/>
-                <a:cs typeface="Inter Medium"/>
-                <a:sym typeface="Inter Medium"/>
-              </a:rPr>
-              <a:t>Conjunto de no terminales</a:t>
-            </a:r>
-            <a:endParaRPr sz="1300">
-              <a:solidFill>
-                <a:schemeClr val="dk1"/>
-              </a:solidFill>
-              <a:latin typeface="Inter Medium"/>
-              <a:ea typeface="Inter Medium"/>
-              <a:cs typeface="Inter Medium"/>
-              <a:sym typeface="Inter Medium"/>
-            </a:endParaRPr>
-          </a:p>
-          <a:p>
-            <a:pPr indent="457200" lvl="0" marL="0" rtl="0" algn="l">
-              <a:lnSpc>
-                <a:spcPct val="150000"/>
-              </a:lnSpc>
-              <a:spcBef>
-                <a:spcPts val="1200"/>
-              </a:spcBef>
-              <a:spcAft>
-                <a:spcPts val="0"/>
-              </a:spcAft>
-              <a:buNone/>
-            </a:pPr>
-            <a:r>
-              <a:rPr b="1" lang="es" sz="1300">
-                <a:solidFill>
-                  <a:schemeClr val="dk1"/>
-                </a:solidFill>
-                <a:latin typeface="Inter"/>
-                <a:ea typeface="Inter"/>
-                <a:cs typeface="Inter"/>
-                <a:sym typeface="Inter"/>
-              </a:rPr>
-              <a:t>Σ: </a:t>
-            </a:r>
-            <a:r>
-              <a:rPr lang="es" sz="1300">
-                <a:solidFill>
-                  <a:schemeClr val="dk1"/>
-                </a:solidFill>
-                <a:latin typeface="Inter Medium"/>
-                <a:ea typeface="Inter Medium"/>
-                <a:cs typeface="Inter Medium"/>
-                <a:sym typeface="Inter Medium"/>
-              </a:rPr>
-              <a:t>Conjunto de terminales</a:t>
-            </a:r>
-            <a:endParaRPr sz="1300">
-              <a:solidFill>
-                <a:schemeClr val="dk1"/>
-              </a:solidFill>
-              <a:latin typeface="Inter Medium"/>
-              <a:ea typeface="Inter Medium"/>
-              <a:cs typeface="Inter Medium"/>
-              <a:sym typeface="Inter Medium"/>
-            </a:endParaRPr>
-          </a:p>
-          <a:p>
-            <a:pPr indent="457200" lvl="0" marL="0" rtl="0" algn="l">
-              <a:lnSpc>
-                <a:spcPct val="150000"/>
-              </a:lnSpc>
-              <a:spcBef>
-                <a:spcPts val="1200"/>
-              </a:spcBef>
-              <a:spcAft>
-                <a:spcPts val="0"/>
-              </a:spcAft>
-              <a:buNone/>
-            </a:pPr>
-            <a:r>
-              <a:rPr b="1" lang="es" sz="1300">
-                <a:solidFill>
-                  <a:schemeClr val="dk1"/>
-                </a:solidFill>
-                <a:latin typeface="Inter"/>
-                <a:ea typeface="Inter"/>
-                <a:cs typeface="Inter"/>
-                <a:sym typeface="Inter"/>
-              </a:rPr>
-              <a:t>S: </a:t>
-            </a:r>
-            <a:r>
-              <a:rPr lang="es" sz="1300">
-                <a:solidFill>
-                  <a:schemeClr val="dk1"/>
-                </a:solidFill>
-                <a:latin typeface="Inter Medium"/>
-                <a:ea typeface="Inter Medium"/>
-                <a:cs typeface="Inter Medium"/>
-                <a:sym typeface="Inter Medium"/>
-              </a:rPr>
-              <a:t>No terminal/variable </a:t>
-            </a:r>
-            <a:r>
-              <a:rPr b="1" lang="es" sz="1300">
-                <a:solidFill>
-                  <a:schemeClr val="dk1"/>
-                </a:solidFill>
-                <a:latin typeface="Inter"/>
-                <a:ea typeface="Inter"/>
-                <a:cs typeface="Inter"/>
-                <a:sym typeface="Inter"/>
-              </a:rPr>
-              <a:t>inicial </a:t>
-            </a:r>
-            <a:endParaRPr b="1" sz="1300">
-              <a:solidFill>
-                <a:schemeClr val="dk1"/>
-              </a:solidFill>
-              <a:latin typeface="Inter"/>
-              <a:ea typeface="Inter"/>
-              <a:cs typeface="Inter"/>
-              <a:sym typeface="Inter"/>
-            </a:endParaRPr>
-          </a:p>
-          <a:p>
-            <a:pPr indent="457200" lvl="0" marL="0" rtl="0" algn="l">
-              <a:lnSpc>
-                <a:spcPct val="150000"/>
-              </a:lnSpc>
-              <a:spcBef>
-                <a:spcPts val="1200"/>
-              </a:spcBef>
-              <a:spcAft>
-                <a:spcPts val="1200"/>
-              </a:spcAft>
-              <a:buNone/>
-            </a:pPr>
-            <a:r>
-              <a:rPr b="1" lang="es" sz="1300">
-                <a:solidFill>
-                  <a:schemeClr val="dk1"/>
-                </a:solidFill>
-                <a:latin typeface="Inter"/>
-                <a:ea typeface="Inter"/>
-                <a:cs typeface="Inter"/>
-                <a:sym typeface="Inter"/>
-              </a:rPr>
-              <a:t>P: </a:t>
-            </a:r>
-            <a:r>
-              <a:rPr lang="es" sz="1300">
-                <a:solidFill>
-                  <a:schemeClr val="dk1"/>
-                </a:solidFill>
-                <a:latin typeface="Inter Medium"/>
-                <a:ea typeface="Inter Medium"/>
-                <a:cs typeface="Inter Medium"/>
-                <a:sym typeface="Inter Medium"/>
-              </a:rPr>
-              <a:t>Conjunto de reglas de producción/reescritura</a:t>
-            </a:r>
-            <a:endParaRPr sz="1300">
-              <a:solidFill>
-                <a:schemeClr val="dk1"/>
-              </a:solidFill>
-              <a:latin typeface="Inter Medium"/>
-              <a:ea typeface="Inter Medium"/>
-              <a:cs typeface="Inter Medium"/>
-              <a:sym typeface="Inter Medium"/>
-            </a:endParaRPr>
-          </a:p>
         </p:txBody>
       </p:sp>
       <p:sp>
         <p:nvSpPr>
           <p:cNvPr id="428" name="Google Shape;428;p45"/>
-          <p:cNvSpPr txBox="1"/>
-          <p:nvPr>
-            <p:ph type="title"/>
-          </p:nvPr>
-        </p:nvSpPr>
-        <p:spPr>
-          <a:xfrm>
-            <a:off x="311700" y="445025"/>
-            <a:ext cx="8520600" cy="572700"/>
-          </a:xfrm>
-          <a:prstGeom prst="rect">
-            <a:avLst/>
-          </a:prstGeom>
-        </p:spPr>
-        <p:txBody>
-          <a:bodyPr anchorCtr="0" anchor="t" bIns="91425" lIns="91425" spcFirstLastPara="1" rIns="91425" wrap="square" tIns="91425">
-            <a:normAutofit fontScale="90000"/>
-          </a:bodyPr>
-          <a:lstStyle/>
-          <a:p>
-            <a:pPr indent="0" lvl="0" marL="0" rtl="0" algn="l">
-              <a:spcBef>
-                <a:spcPts val="0"/>
-              </a:spcBef>
-              <a:spcAft>
-                <a:spcPts val="0"/>
-              </a:spcAft>
-              <a:buNone/>
-            </a:pPr>
-            <a:r>
-              <a:rPr lang="es">
-                <a:latin typeface="Inter Medium"/>
-                <a:ea typeface="Inter Medium"/>
-                <a:cs typeface="Inter Medium"/>
-                <a:sym typeface="Inter Medium"/>
-              </a:rPr>
-              <a:t>Cómo definimos formalmente una gramática ?</a:t>
-            </a:r>
-            <a:endParaRPr>
-              <a:latin typeface="Inter Medium"/>
-              <a:ea typeface="Inter Medium"/>
-              <a:cs typeface="Inter Medium"/>
-              <a:sym typeface="Inter Medium"/>
-            </a:endParaRPr>
-          </a:p>
-        </p:txBody>
-      </p:sp>
-      <p:sp>
-        <p:nvSpPr>
-          <p:cNvPr id="429" name="Google Shape;429;p45"/>
-          <p:cNvSpPr txBox="1"/>
-          <p:nvPr>
-            <p:ph idx="4294967295" type="subTitle"/>
-          </p:nvPr>
-        </p:nvSpPr>
-        <p:spPr>
-          <a:xfrm>
-            <a:off x="0" y="4764600"/>
-            <a:ext cx="3189000" cy="378900"/>
-          </a:xfrm>
-          <a:prstGeom prst="rect">
-            <a:avLst/>
-          </a:prstGeom>
-        </p:spPr>
-        <p:txBody>
-          <a:bodyPr anchorCtr="0" anchor="t" bIns="91425" lIns="91425" spcFirstLastPara="1" rIns="91425" wrap="square" tIns="91425">
-            <a:normAutofit/>
-          </a:bodyPr>
-          <a:lstStyle/>
-          <a:p>
-            <a:pPr indent="0" lvl="0" marL="0" rtl="0" algn="l">
-              <a:lnSpc>
-                <a:spcPct val="90000"/>
-              </a:lnSpc>
-              <a:spcBef>
-                <a:spcPts val="0"/>
-              </a:spcBef>
-              <a:spcAft>
-                <a:spcPts val="1200"/>
-              </a:spcAft>
-              <a:buNone/>
-            </a:pPr>
-            <a:r>
-              <a:rPr lang="es" sz="1200">
-                <a:solidFill>
-                  <a:schemeClr val="dk1"/>
-                </a:solidFill>
-                <a:latin typeface="Inter Medium"/>
-                <a:ea typeface="Inter Medium"/>
-                <a:cs typeface="Inter Medium"/>
-                <a:sym typeface="Inter Medium"/>
-              </a:rPr>
-              <a:t>Universidad Nacional de Quilmes</a:t>
-            </a:r>
-            <a:endParaRPr sz="1200">
-              <a:solidFill>
-                <a:schemeClr val="dk1"/>
-              </a:solidFill>
-              <a:latin typeface="Inter Medium"/>
-              <a:ea typeface="Inter Medium"/>
-              <a:cs typeface="Inter Medium"/>
-              <a:sym typeface="Inter Medium"/>
-            </a:endParaRPr>
-          </a:p>
-        </p:txBody>
-      </p:sp>
-      <p:sp>
-        <p:nvSpPr>
-          <p:cNvPr id="430" name="Google Shape;430;p45"/>
           <p:cNvSpPr txBox="1"/>
           <p:nvPr/>
         </p:nvSpPr>
@@ -23427,7 +23390,7 @@
       </p:sp>
       <p:pic>
         <p:nvPicPr>
-          <p:cNvPr id="431" name="Google Shape;431;p45"/>
+          <p:cNvPr id="429" name="Google Shape;429;p45"/>
           <p:cNvPicPr preferRelativeResize="0"/>
           <p:nvPr/>
         </p:nvPicPr>
@@ -23441,8 +23404,8 @@
         </p:blipFill>
         <p:spPr>
           <a:xfrm>
-            <a:off x="3748036" y="1431425"/>
-            <a:ext cx="1647914" cy="378900"/>
+            <a:off x="895382" y="1568900"/>
+            <a:ext cx="865143" cy="572700"/>
           </a:xfrm>
           <a:prstGeom prst="rect">
             <a:avLst/>
@@ -23453,9 +23416,223 @@
           </a:ln>
         </p:spPr>
       </p:pic>
-      <p:sp>
-        <p:nvSpPr>
+      <p:pic>
+        <p:nvPicPr>
+          <p:cNvPr id="430" name="Google Shape;430;p45"/>
+          <p:cNvPicPr preferRelativeResize="0"/>
+          <p:nvPr/>
+        </p:nvPicPr>
+        <p:blipFill>
+          <a:blip r:embed="rId4">
+            <a:alphaModFix/>
+          </a:blip>
+          <a:stretch>
+            <a:fillRect/>
+          </a:stretch>
+        </p:blipFill>
+        <p:spPr>
+          <a:xfrm>
+            <a:off x="4432075" y="1568900"/>
+            <a:ext cx="1742375" cy="715975"/>
+          </a:xfrm>
+          <a:prstGeom prst="rect">
+            <a:avLst/>
+          </a:prstGeom>
+          <a:noFill/>
+          <a:ln>
+            <a:noFill/>
+          </a:ln>
+        </p:spPr>
+      </p:pic>
+      <p:cxnSp>
+        <p:nvCxnSpPr>
+          <p:cNvPr id="431" name="Google Shape;431;p45"/>
+          <p:cNvCxnSpPr/>
+          <p:nvPr/>
+        </p:nvCxnSpPr>
+        <p:spPr>
+          <a:xfrm flipH="1" rot="10800000">
+            <a:off x="4970600" y="1829875"/>
+            <a:ext cx="122400" cy="223200"/>
+          </a:xfrm>
+          <a:prstGeom prst="straightConnector1">
+            <a:avLst/>
+          </a:prstGeom>
+          <a:noFill/>
+          <a:ln cap="flat" cmpd="sng" w="9525">
+            <a:solidFill>
+              <a:schemeClr val="dk2"/>
+            </a:solidFill>
+            <a:prstDash val="solid"/>
+            <a:round/>
+            <a:headEnd len="med" w="med" type="none"/>
+            <a:tailEnd len="med" w="med" type="triangle"/>
+          </a:ln>
+        </p:spPr>
+      </p:cxnSp>
+      <p:cxnSp>
+        <p:nvCxnSpPr>
           <p:cNvPr id="432" name="Google Shape;432;p45"/>
+          <p:cNvCxnSpPr/>
+          <p:nvPr/>
+        </p:nvCxnSpPr>
+        <p:spPr>
+          <a:xfrm rot="10800000">
+            <a:off x="5719875" y="1837100"/>
+            <a:ext cx="158400" cy="252000"/>
+          </a:xfrm>
+          <a:prstGeom prst="straightConnector1">
+            <a:avLst/>
+          </a:prstGeom>
+          <a:noFill/>
+          <a:ln cap="flat" cmpd="sng" w="9525">
+            <a:solidFill>
+              <a:schemeClr val="dk2"/>
+            </a:solidFill>
+            <a:prstDash val="solid"/>
+            <a:round/>
+            <a:headEnd len="med" w="med" type="none"/>
+            <a:tailEnd len="med" w="med" type="triangle"/>
+          </a:ln>
+        </p:spPr>
+      </p:cxnSp>
+      <p:pic>
+        <p:nvPicPr>
+          <p:cNvPr id="433" name="Google Shape;433;p45"/>
+          <p:cNvPicPr preferRelativeResize="0"/>
+          <p:nvPr/>
+        </p:nvPicPr>
+        <p:blipFill>
+          <a:blip r:embed="rId5">
+            <a:alphaModFix/>
+          </a:blip>
+          <a:stretch>
+            <a:fillRect/>
+          </a:stretch>
+        </p:blipFill>
+        <p:spPr>
+          <a:xfrm>
+            <a:off x="4432076" y="3090125"/>
+            <a:ext cx="2135426" cy="829625"/>
+          </a:xfrm>
+          <a:prstGeom prst="rect">
+            <a:avLst/>
+          </a:prstGeom>
+          <a:noFill/>
+          <a:ln>
+            <a:noFill/>
+          </a:ln>
+        </p:spPr>
+      </p:pic>
+      <p:cxnSp>
+        <p:nvCxnSpPr>
+          <p:cNvPr id="434" name="Google Shape;434;p45"/>
+          <p:cNvCxnSpPr/>
+          <p:nvPr/>
+        </p:nvCxnSpPr>
+        <p:spPr>
+          <a:xfrm rot="10800000">
+            <a:off x="4769000" y="3356850"/>
+            <a:ext cx="172800" cy="360300"/>
+          </a:xfrm>
+          <a:prstGeom prst="straightConnector1">
+            <a:avLst/>
+          </a:prstGeom>
+          <a:noFill/>
+          <a:ln cap="flat" cmpd="sng" w="9525">
+            <a:solidFill>
+              <a:schemeClr val="dk2"/>
+            </a:solidFill>
+            <a:prstDash val="solid"/>
+            <a:round/>
+            <a:headEnd len="med" w="med" type="none"/>
+            <a:tailEnd len="med" w="med" type="triangle"/>
+          </a:ln>
+        </p:spPr>
+      </p:cxnSp>
+      <p:cxnSp>
+        <p:nvCxnSpPr>
+          <p:cNvPr id="435" name="Google Shape;435;p45"/>
+          <p:cNvCxnSpPr/>
+          <p:nvPr/>
+        </p:nvCxnSpPr>
+        <p:spPr>
+          <a:xfrm flipH="1" rot="10800000">
+            <a:off x="5114675" y="3364050"/>
+            <a:ext cx="108000" cy="367500"/>
+          </a:xfrm>
+          <a:prstGeom prst="straightConnector1">
+            <a:avLst/>
+          </a:prstGeom>
+          <a:noFill/>
+          <a:ln cap="flat" cmpd="sng" w="9525">
+            <a:solidFill>
+              <a:schemeClr val="dk2"/>
+            </a:solidFill>
+            <a:prstDash val="solid"/>
+            <a:round/>
+            <a:headEnd len="med" w="med" type="none"/>
+            <a:tailEnd len="med" w="med" type="triangle"/>
+          </a:ln>
+        </p:spPr>
+      </p:cxnSp>
+      <p:cxnSp>
+        <p:nvCxnSpPr>
+          <p:cNvPr id="436" name="Google Shape;436;p45"/>
+          <p:cNvCxnSpPr/>
+          <p:nvPr/>
+        </p:nvCxnSpPr>
+        <p:spPr>
+          <a:xfrm rot="10800000">
+            <a:off x="6044000" y="3335225"/>
+            <a:ext cx="43200" cy="353100"/>
+          </a:xfrm>
+          <a:prstGeom prst="straightConnector1">
+            <a:avLst/>
+          </a:prstGeom>
+          <a:noFill/>
+          <a:ln cap="flat" cmpd="sng" w="9525">
+            <a:solidFill>
+              <a:schemeClr val="dk2"/>
+            </a:solidFill>
+            <a:prstDash val="solid"/>
+            <a:round/>
+            <a:headEnd len="med" w="med" type="none"/>
+            <a:tailEnd len="med" w="med" type="triangle"/>
+          </a:ln>
+        </p:spPr>
+      </p:cxnSp>
+      <p:pic>
+        <p:nvPicPr>
+          <p:cNvPr id="437" name="Google Shape;437;p45"/>
+          <p:cNvPicPr preferRelativeResize="0"/>
+          <p:nvPr/>
+        </p:nvPicPr>
+        <p:blipFill>
+          <a:blip r:embed="rId6">
+            <a:alphaModFix/>
+          </a:blip>
+          <a:stretch>
+            <a:fillRect/>
+          </a:stretch>
+        </p:blipFill>
+        <p:spPr>
+          <a:xfrm>
+            <a:off x="852150" y="3436528"/>
+            <a:ext cx="1742374" cy="352247"/>
+          </a:xfrm>
+          <a:prstGeom prst="rect">
+            <a:avLst/>
+          </a:prstGeom>
+          <a:noFill/>
+          <a:ln>
+            <a:noFill/>
+          </a:ln>
+        </p:spPr>
+      </p:pic>
+      <p:sp>
+        <p:nvSpPr>
+          <p:cNvPr id="438" name="Google Shape;438;p45"/>
           <p:cNvSpPr txBox="1"/>
           <p:nvPr>
             <p:ph idx="12" type="sldNum"/>
@@ -23506,7 +23683,7 @@
   <p:cSld>
     <p:spTree>
       <p:nvGrpSpPr>
-        <p:cNvPr id="436" name="Shape 436"/>
+        <p:cNvPr id="442" name="Shape 442"/>
         <p:cNvGrpSpPr/>
         <p:nvPr/>
       </p:nvGrpSpPr>
@@ -23520,7 +23697,7 @@
       </p:grpSpPr>
       <p:sp>
         <p:nvSpPr>
-          <p:cNvPr id="437" name="Google Shape;437;p46"/>
+          <p:cNvPr id="443" name="Google Shape;443;p46"/>
           <p:cNvSpPr txBox="1"/>
           <p:nvPr>
             <p:ph idx="1" type="body"/>
@@ -23554,7 +23731,85 @@
               <a:buNone/>
             </a:pPr>
             <a:r>
-              <a:rPr b="1" lang="es" sz="1400">
+              <a:t/>
+            </a:r>
+            <a:endParaRPr sz="1200">
+              <a:solidFill>
+                <a:schemeClr val="dk1"/>
+              </a:solidFill>
+              <a:latin typeface="Inter Medium"/>
+              <a:ea typeface="Inter Medium"/>
+              <a:cs typeface="Inter Medium"/>
+              <a:sym typeface="Inter Medium"/>
+            </a:endParaRPr>
+          </a:p>
+          <a:p>
+            <a:pPr indent="0" lvl="0" marL="0" rtl="0" algn="l">
+              <a:lnSpc>
+                <a:spcPct val="150000"/>
+              </a:lnSpc>
+              <a:spcBef>
+                <a:spcPts val="1200"/>
+              </a:spcBef>
+              <a:spcAft>
+                <a:spcPts val="0"/>
+              </a:spcAft>
+              <a:buNone/>
+            </a:pPr>
+            <a:r>
+              <a:t/>
+            </a:r>
+            <a:endParaRPr sz="1200">
+              <a:solidFill>
+                <a:schemeClr val="dk1"/>
+              </a:solidFill>
+              <a:latin typeface="Inter Medium"/>
+              <a:ea typeface="Inter Medium"/>
+              <a:cs typeface="Inter Medium"/>
+              <a:sym typeface="Inter Medium"/>
+            </a:endParaRPr>
+          </a:p>
+          <a:p>
+            <a:pPr indent="0" lvl="0" marL="0" rtl="0" algn="l">
+              <a:lnSpc>
+                <a:spcPct val="150000"/>
+              </a:lnSpc>
+              <a:spcBef>
+                <a:spcPts val="1200"/>
+              </a:spcBef>
+              <a:spcAft>
+                <a:spcPts val="0"/>
+              </a:spcAft>
+              <a:buNone/>
+            </a:pPr>
+            <a:r>
+              <a:t/>
+            </a:r>
+            <a:endParaRPr b="1" sz="1300">
+              <a:solidFill>
+                <a:schemeClr val="dk1"/>
+              </a:solidFill>
+              <a:latin typeface="Inter"/>
+              <a:ea typeface="Inter"/>
+              <a:cs typeface="Inter"/>
+              <a:sym typeface="Inter"/>
+            </a:endParaRPr>
+          </a:p>
+          <a:p>
+            <a:pPr indent="457200" lvl="0" marL="0" rtl="0" algn="l">
+              <a:lnSpc>
+                <a:spcPct val="150000"/>
+              </a:lnSpc>
+              <a:spcBef>
+                <a:spcPts val="1200"/>
+              </a:spcBef>
+              <a:spcAft>
+                <a:spcPts val="0"/>
+              </a:spcAft>
+              <a:buNone/>
+            </a:pPr>
+            <a:r>
+              <a:rPr b="1" lang="es" sz="1300">
                 <a:solidFill>
                   <a:schemeClr val="dk1"/>
                 </a:solidFill>
@@ -23563,9 +23818,127 @@
                 <a:cs typeface="Inter"/>
                 <a:sym typeface="Inter"/>
               </a:rPr>
-              <a:t>Qué gramática acepta el lenguaje L ?</a:t>
-            </a:r>
-            <a:endParaRPr b="1" sz="1400">
+              <a:t>V: </a:t>
+            </a:r>
+            <a:r>
+              <a:rPr lang="es" sz="1300">
+                <a:solidFill>
+                  <a:schemeClr val="dk1"/>
+                </a:solidFill>
+                <a:latin typeface="Inter Medium"/>
+                <a:ea typeface="Inter Medium"/>
+                <a:cs typeface="Inter Medium"/>
+                <a:sym typeface="Inter Medium"/>
+              </a:rPr>
+              <a:t>Conjunto de no terminales</a:t>
+            </a:r>
+            <a:endParaRPr sz="1300">
+              <a:solidFill>
+                <a:schemeClr val="dk1"/>
+              </a:solidFill>
+              <a:latin typeface="Inter Medium"/>
+              <a:ea typeface="Inter Medium"/>
+              <a:cs typeface="Inter Medium"/>
+              <a:sym typeface="Inter Medium"/>
+            </a:endParaRPr>
+          </a:p>
+          <a:p>
+            <a:pPr indent="457200" lvl="0" marL="0" rtl="0" algn="l">
+              <a:lnSpc>
+                <a:spcPct val="150000"/>
+              </a:lnSpc>
+              <a:spcBef>
+                <a:spcPts val="1200"/>
+              </a:spcBef>
+              <a:spcAft>
+                <a:spcPts val="0"/>
+              </a:spcAft>
+              <a:buNone/>
+            </a:pPr>
+            <a:r>
+              <a:rPr b="1" lang="es" sz="1300">
+                <a:solidFill>
+                  <a:schemeClr val="dk1"/>
+                </a:solidFill>
+                <a:latin typeface="Inter"/>
+                <a:ea typeface="Inter"/>
+                <a:cs typeface="Inter"/>
+                <a:sym typeface="Inter"/>
+              </a:rPr>
+              <a:t>Σ: </a:t>
+            </a:r>
+            <a:r>
+              <a:rPr lang="es" sz="1300">
+                <a:solidFill>
+                  <a:schemeClr val="dk1"/>
+                </a:solidFill>
+                <a:latin typeface="Inter Medium"/>
+                <a:ea typeface="Inter Medium"/>
+                <a:cs typeface="Inter Medium"/>
+                <a:sym typeface="Inter Medium"/>
+              </a:rPr>
+              <a:t>Conjunto de terminales</a:t>
+            </a:r>
+            <a:endParaRPr sz="1300">
+              <a:solidFill>
+                <a:schemeClr val="dk1"/>
+              </a:solidFill>
+              <a:latin typeface="Inter Medium"/>
+              <a:ea typeface="Inter Medium"/>
+              <a:cs typeface="Inter Medium"/>
+              <a:sym typeface="Inter Medium"/>
+            </a:endParaRPr>
+          </a:p>
+          <a:p>
+            <a:pPr indent="457200" lvl="0" marL="0" rtl="0" algn="l">
+              <a:lnSpc>
+                <a:spcPct val="150000"/>
+              </a:lnSpc>
+              <a:spcBef>
+                <a:spcPts val="1200"/>
+              </a:spcBef>
+              <a:spcAft>
+                <a:spcPts val="0"/>
+              </a:spcAft>
+              <a:buNone/>
+            </a:pPr>
+            <a:r>
+              <a:rPr b="1" lang="es" sz="1300">
+                <a:solidFill>
+                  <a:schemeClr val="dk1"/>
+                </a:solidFill>
+                <a:latin typeface="Inter"/>
+                <a:ea typeface="Inter"/>
+                <a:cs typeface="Inter"/>
+                <a:sym typeface="Inter"/>
+              </a:rPr>
+              <a:t>S: </a:t>
+            </a:r>
+            <a:r>
+              <a:rPr lang="es" sz="1300">
+                <a:solidFill>
+                  <a:schemeClr val="dk1"/>
+                </a:solidFill>
+                <a:latin typeface="Inter Medium"/>
+                <a:ea typeface="Inter Medium"/>
+                <a:cs typeface="Inter Medium"/>
+                <a:sym typeface="Inter Medium"/>
+              </a:rPr>
+              <a:t>No terminal/variable </a:t>
+            </a:r>
+            <a:r>
+              <a:rPr b="1" lang="es" sz="1300">
+                <a:solidFill>
+                  <a:schemeClr val="dk1"/>
+                </a:solidFill>
+                <a:latin typeface="Inter"/>
+                <a:ea typeface="Inter"/>
+                <a:cs typeface="Inter"/>
+                <a:sym typeface="Inter"/>
+              </a:rPr>
+              <a:t>inicial </a:t>
+            </a:r>
+            <a:endParaRPr b="1" sz="1300">
               <a:solidFill>
                 <a:schemeClr val="dk1"/>
               </a:solidFill>
@@ -23576,27 +23949,43 @@
             </a:endParaRPr>
           </a:p>
           <a:p>
-            <a:pPr indent="0" lvl="0" marL="0" rtl="0" algn="l">
+            <a:pPr indent="457200" lvl="0" marL="0" rtl="0" algn="l">
               <a:lnSpc>
-                <a:spcPct val="115000"/>
+                <a:spcPct val="150000"/>
               </a:lnSpc>
               <a:spcBef>
                 <a:spcPts val="1200"/>
               </a:spcBef>
               <a:spcAft>
-                <a:spcPts val="0"/>
-              </a:spcAft>
-              <a:buClr>
-                <a:schemeClr val="dk1"/>
-              </a:buClr>
-              <a:buSzPts val="1100"/>
-              <a:buFont typeface="Arial"/>
-              <a:buNone/>
-            </a:pPr>
-            <a:r>
-              <a:t/>
-            </a:r>
-            <a:endParaRPr sz="1400">
+                <a:spcPts val="1200"/>
+              </a:spcAft>
+              <a:buNone/>
+            </a:pPr>
+            <a:r>
+              <a:rPr b="1" lang="es" sz="1300">
+                <a:solidFill>
+                  <a:schemeClr val="dk1"/>
+                </a:solidFill>
+                <a:latin typeface="Inter"/>
+                <a:ea typeface="Inter"/>
+                <a:cs typeface="Inter"/>
+                <a:sym typeface="Inter"/>
+              </a:rPr>
+              <a:t>P: </a:t>
+            </a:r>
+            <a:r>
+              <a:rPr lang="es" sz="1300">
+                <a:solidFill>
+                  <a:schemeClr val="dk1"/>
+                </a:solidFill>
+                <a:latin typeface="Inter Medium"/>
+                <a:ea typeface="Inter Medium"/>
+                <a:cs typeface="Inter Medium"/>
+                <a:sym typeface="Inter Medium"/>
+              </a:rPr>
+              <a:t>Conjunto de reglas de producción/reescritura</a:t>
+            </a:r>
+            <a:endParaRPr sz="1300">
               <a:solidFill>
                 <a:schemeClr val="dk1"/>
               </a:solidFill>
@@ -23606,113 +23995,11 @@
               <a:sym typeface="Inter Medium"/>
             </a:endParaRPr>
           </a:p>
-          <a:p>
-            <a:pPr indent="0" lvl="0" marL="0" rtl="0" algn="l">
-              <a:lnSpc>
-                <a:spcPct val="115000"/>
-              </a:lnSpc>
-              <a:spcBef>
-                <a:spcPts val="1200"/>
-              </a:spcBef>
-              <a:spcAft>
-                <a:spcPts val="0"/>
-              </a:spcAft>
-              <a:buClr>
-                <a:schemeClr val="dk1"/>
-              </a:buClr>
-              <a:buSzPts val="1100"/>
-              <a:buFont typeface="Arial"/>
-              <a:buNone/>
-            </a:pPr>
-            <a:r>
-              <a:t/>
-            </a:r>
-            <a:endParaRPr sz="1400">
-              <a:solidFill>
-                <a:schemeClr val="dk1"/>
-              </a:solidFill>
-              <a:latin typeface="Inter Medium"/>
-              <a:ea typeface="Inter Medium"/>
-              <a:cs typeface="Inter Medium"/>
-              <a:sym typeface="Inter Medium"/>
-            </a:endParaRPr>
-          </a:p>
-          <a:p>
-            <a:pPr indent="0" lvl="0" marL="0" rtl="0" algn="l">
-              <a:lnSpc>
-                <a:spcPct val="115000"/>
-              </a:lnSpc>
-              <a:spcBef>
-                <a:spcPts val="1200"/>
-              </a:spcBef>
-              <a:spcAft>
-                <a:spcPts val="0"/>
-              </a:spcAft>
-              <a:buClr>
-                <a:schemeClr val="dk1"/>
-              </a:buClr>
-              <a:buSzPts val="1100"/>
-              <a:buFont typeface="Arial"/>
-              <a:buNone/>
-            </a:pPr>
-            <a:r>
-              <a:t/>
-            </a:r>
-            <a:endParaRPr sz="1400">
-              <a:solidFill>
-                <a:schemeClr val="dk1"/>
-              </a:solidFill>
-              <a:latin typeface="Inter Medium"/>
-              <a:ea typeface="Inter Medium"/>
-              <a:cs typeface="Inter Medium"/>
-              <a:sym typeface="Inter Medium"/>
-            </a:endParaRPr>
-          </a:p>
-          <a:p>
-            <a:pPr indent="0" lvl="0" marL="0" rtl="0" algn="ctr">
-              <a:lnSpc>
-                <a:spcPct val="115000"/>
-              </a:lnSpc>
-              <a:spcBef>
-                <a:spcPts val="1200"/>
-              </a:spcBef>
-              <a:spcAft>
-                <a:spcPts val="1200"/>
-              </a:spcAft>
-              <a:buClr>
-                <a:schemeClr val="dk1"/>
-              </a:buClr>
-              <a:buSzPts val="1100"/>
-              <a:buFont typeface="Arial"/>
-              <a:buNone/>
-            </a:pPr>
-            <a:r>
-              <a:rPr lang="es" sz="1400">
-                <a:solidFill>
-                  <a:schemeClr val="dk1"/>
-                </a:solidFill>
-                <a:latin typeface="Inter Medium"/>
-                <a:ea typeface="Inter Medium"/>
-                <a:cs typeface="Inter Medium"/>
-                <a:sym typeface="Inter Medium"/>
-              </a:rPr>
-              <a:t>Piensenlo 5 minutos :)</a:t>
-            </a:r>
-            <a:endParaRPr sz="1400">
-              <a:solidFill>
-                <a:schemeClr val="dk1"/>
-              </a:solidFill>
-              <a:latin typeface="Inter Medium"/>
-              <a:ea typeface="Inter Medium"/>
-              <a:cs typeface="Inter Medium"/>
-              <a:sym typeface="Inter Medium"/>
-            </a:endParaRPr>
-          </a:p>
         </p:txBody>
       </p:sp>
       <p:sp>
         <p:nvSpPr>
-          <p:cNvPr id="438" name="Google Shape;438;p46"/>
+          <p:cNvPr id="444" name="Google Shape;444;p46"/>
           <p:cNvSpPr txBox="1"/>
           <p:nvPr>
             <p:ph type="title"/>
@@ -23743,7 +24030,13 @@
               <a:buNone/>
             </a:pPr>
             <a:r>
-              <a:t/>
+              <a:rPr lang="es">
+                <a:latin typeface="Inter Medium"/>
+                <a:ea typeface="Inter Medium"/>
+                <a:cs typeface="Inter Medium"/>
+                <a:sym typeface="Inter Medium"/>
+              </a:rPr>
+              <a:t>Cómo definimos formalmente una gramática ?</a:t>
             </a:r>
             <a:endParaRPr>
               <a:latin typeface="Inter Medium"/>
@@ -23756,7 +24049,7 @@
       </p:sp>
       <p:sp>
         <p:nvSpPr>
-          <p:cNvPr id="439" name="Google Shape;439;p46"/>
+          <p:cNvPr id="445" name="Google Shape;445;p46"/>
           <p:cNvSpPr txBox="1"/>
           <p:nvPr>
             <p:ph idx="4294967295" type="subTitle"/>
@@ -23815,7 +24108,7 @@
       </p:sp>
       <p:sp>
         <p:nvSpPr>
-          <p:cNvPr id="440" name="Google Shape;440;p46"/>
+          <p:cNvPr id="446" name="Google Shape;446;p46"/>
           <p:cNvSpPr txBox="1"/>
           <p:nvPr/>
         </p:nvSpPr>
@@ -23867,7 +24160,7 @@
       </p:sp>
       <p:pic>
         <p:nvPicPr>
-          <p:cNvPr id="441" name="Google Shape;441;p46"/>
+          <p:cNvPr id="447" name="Google Shape;447;p46"/>
           <p:cNvPicPr preferRelativeResize="0"/>
           <p:nvPr/>
         </p:nvPicPr>
@@ -23881,8 +24174,8 @@
         </p:blipFill>
         <p:spPr>
           <a:xfrm>
-            <a:off x="3700812" y="1765253"/>
-            <a:ext cx="1742374" cy="352247"/>
+            <a:off x="3748036" y="1431425"/>
+            <a:ext cx="1647914" cy="378900"/>
           </a:xfrm>
           <a:prstGeom prst="rect">
             <a:avLst/>
@@ -23895,7 +24188,7 @@
       </p:pic>
       <p:sp>
         <p:nvSpPr>
-          <p:cNvPr id="442" name="Google Shape;442;p46"/>
+          <p:cNvPr id="448" name="Google Shape;448;p46"/>
           <p:cNvSpPr txBox="1"/>
           <p:nvPr>
             <p:ph idx="12" type="sldNum"/>
@@ -23946,7 +24239,7 @@
   <p:cSld>
     <p:spTree>
       <p:nvGrpSpPr>
-        <p:cNvPr id="446" name="Shape 446"/>
+        <p:cNvPr id="452" name="Shape 452"/>
         <p:cNvGrpSpPr/>
         <p:nvPr/>
       </p:nvGrpSpPr>
@@ -23960,7 +24253,7 @@
       </p:grpSpPr>
       <p:sp>
         <p:nvSpPr>
-          <p:cNvPr id="447" name="Google Shape;447;p47"/>
+          <p:cNvPr id="453" name="Google Shape;453;p47"/>
           <p:cNvSpPr txBox="1"/>
           <p:nvPr>
             <p:ph idx="1" type="body"/>
@@ -24018,7 +24311,7 @@
           <a:p>
             <a:pPr indent="0" lvl="0" marL="0" rtl="0" algn="l">
               <a:lnSpc>
-                <a:spcPct val="150000"/>
+                <a:spcPct val="115000"/>
               </a:lnSpc>
               <a:spcBef>
                 <a:spcPts val="1200"/>
@@ -24026,25 +24319,30 @@
               <a:spcAft>
                 <a:spcPts val="0"/>
               </a:spcAft>
+              <a:buClr>
+                <a:schemeClr val="dk1"/>
+              </a:buClr>
+              <a:buSzPts val="1100"/>
+              <a:buFont typeface="Arial"/>
               <a:buNone/>
             </a:pPr>
             <a:r>
               <a:t/>
             </a:r>
-            <a:endParaRPr b="1" sz="1400">
+            <a:endParaRPr sz="1400">
               <a:solidFill>
                 <a:schemeClr val="dk1"/>
               </a:solidFill>
-              <a:latin typeface="Inter"/>
-              <a:ea typeface="Inter"/>
-              <a:cs typeface="Inter"/>
-              <a:sym typeface="Inter"/>
+              <a:latin typeface="Inter Medium"/>
+              <a:ea typeface="Inter Medium"/>
+              <a:cs typeface="Inter Medium"/>
+              <a:sym typeface="Inter Medium"/>
             </a:endParaRPr>
           </a:p>
           <a:p>
             <a:pPr indent="0" lvl="0" marL="0" rtl="0" algn="l">
               <a:lnSpc>
-                <a:spcPct val="150000"/>
+                <a:spcPct val="115000"/>
               </a:lnSpc>
               <a:spcBef>
                 <a:spcPts val="1200"/>
@@ -24052,25 +24350,30 @@
               <a:spcAft>
                 <a:spcPts val="0"/>
               </a:spcAft>
+              <a:buClr>
+                <a:schemeClr val="dk1"/>
+              </a:buClr>
+              <a:buSzPts val="1100"/>
+              <a:buFont typeface="Arial"/>
               <a:buNone/>
             </a:pPr>
             <a:r>
               <a:t/>
             </a:r>
-            <a:endParaRPr b="1" sz="1400">
+            <a:endParaRPr sz="1400">
               <a:solidFill>
                 <a:schemeClr val="dk1"/>
               </a:solidFill>
-              <a:latin typeface="Inter"/>
-              <a:ea typeface="Inter"/>
-              <a:cs typeface="Inter"/>
-              <a:sym typeface="Inter"/>
-            </a:endParaRPr>
-          </a:p>
-          <a:p>
-            <a:pPr indent="0" lvl="0" marL="0" rtl="0" algn="ctr">
+              <a:latin typeface="Inter Medium"/>
+              <a:ea typeface="Inter Medium"/>
+              <a:cs typeface="Inter Medium"/>
+              <a:sym typeface="Inter Medium"/>
+            </a:endParaRPr>
+          </a:p>
+          <a:p>
+            <a:pPr indent="0" lvl="0" marL="0" rtl="0" algn="l">
               <a:lnSpc>
-                <a:spcPct val="150000"/>
+                <a:spcPct val="115000"/>
               </a:lnSpc>
               <a:spcBef>
                 <a:spcPts val="1200"/>
@@ -24078,118 +24381,28 @@
               <a:spcAft>
                 <a:spcPts val="0"/>
               </a:spcAft>
+              <a:buClr>
+                <a:schemeClr val="dk1"/>
+              </a:buClr>
+              <a:buSzPts val="1100"/>
+              <a:buFont typeface="Arial"/>
               <a:buNone/>
             </a:pPr>
             <a:r>
               <a:t/>
             </a:r>
-            <a:endParaRPr b="1" sz="1600">
+            <a:endParaRPr sz="1400">
               <a:solidFill>
                 <a:schemeClr val="dk1"/>
               </a:solidFill>
-              <a:latin typeface="Inter"/>
-              <a:ea typeface="Inter"/>
-              <a:cs typeface="Inter"/>
-              <a:sym typeface="Inter"/>
+              <a:latin typeface="Inter Medium"/>
+              <a:ea typeface="Inter Medium"/>
+              <a:cs typeface="Inter Medium"/>
+              <a:sym typeface="Inter Medium"/>
             </a:endParaRPr>
           </a:p>
           <a:p>
             <a:pPr indent="0" lvl="0" marL="0" rtl="0" algn="ctr">
-              <a:lnSpc>
-                <a:spcPct val="150000"/>
-              </a:lnSpc>
-              <a:spcBef>
-                <a:spcPts val="1200"/>
-              </a:spcBef>
-              <a:spcAft>
-                <a:spcPts val="0"/>
-              </a:spcAft>
-              <a:buNone/>
-            </a:pPr>
-            <a:r>
-              <a:rPr lang="es" sz="1600">
-                <a:solidFill>
-                  <a:schemeClr val="dk1"/>
-                </a:solidFill>
-                <a:latin typeface="Inter Medium"/>
-                <a:ea typeface="Inter Medium"/>
-                <a:cs typeface="Inter Medium"/>
-                <a:sym typeface="Inter Medium"/>
-              </a:rPr>
-              <a:t>Damos </a:t>
-            </a:r>
-            <a:r>
-              <a:rPr b="1" lang="es" sz="1600">
-                <a:solidFill>
-                  <a:schemeClr val="dk1"/>
-                </a:solidFill>
-                <a:latin typeface="Inter"/>
-                <a:ea typeface="Inter"/>
-                <a:cs typeface="Inter"/>
-                <a:sym typeface="Inter"/>
-              </a:rPr>
-              <a:t>un </a:t>
-            </a:r>
-            <a:r>
-              <a:rPr lang="es" sz="1600">
-                <a:solidFill>
-                  <a:schemeClr val="dk1"/>
-                </a:solidFill>
-                <a:latin typeface="Inter Medium"/>
-                <a:ea typeface="Inter Medium"/>
-                <a:cs typeface="Inter Medium"/>
-                <a:sym typeface="Inter Medium"/>
-              </a:rPr>
-              <a:t>G</a:t>
-            </a:r>
-            <a:r>
-              <a:rPr b="1" lang="es" sz="1600">
-                <a:solidFill>
-                  <a:schemeClr val="dk1"/>
-                </a:solidFill>
-                <a:latin typeface="Inter"/>
-                <a:ea typeface="Inter"/>
-                <a:cs typeface="Inter"/>
-                <a:sym typeface="Inter"/>
-              </a:rPr>
-              <a:t> = &lt;</a:t>
-            </a:r>
-            <a:r>
-              <a:rPr b="1" i="1" lang="es" sz="1600">
-                <a:solidFill>
-                  <a:schemeClr val="dk1"/>
-                </a:solidFill>
-                <a:latin typeface="Inter"/>
-                <a:ea typeface="Inter"/>
-                <a:cs typeface="Inter"/>
-                <a:sym typeface="Inter"/>
-              </a:rPr>
-              <a:t>V, Σ, S, P </a:t>
-            </a:r>
-            <a:r>
-              <a:rPr b="1" lang="es" sz="1600">
-                <a:solidFill>
-                  <a:schemeClr val="dk1"/>
-                </a:solidFill>
-                <a:latin typeface="Inter"/>
-                <a:ea typeface="Inter"/>
-                <a:cs typeface="Inter"/>
-                <a:sym typeface="Inter"/>
-              </a:rPr>
-              <a:t>&gt;</a:t>
-            </a:r>
-            <a:endParaRPr b="1" i="1" sz="1400">
-              <a:solidFill>
-                <a:schemeClr val="dk1"/>
-              </a:solidFill>
-              <a:latin typeface="Inter"/>
-              <a:ea typeface="Inter"/>
-              <a:cs typeface="Inter"/>
-              <a:sym typeface="Inter"/>
-            </a:endParaRPr>
-          </a:p>
-          <a:p>
-            <a:pPr indent="0" lvl="0" marL="1828800" rtl="0" algn="l">
               <a:lnSpc>
                 <a:spcPct val="115000"/>
               </a:lnSpc>
@@ -24199,32 +24412,13 @@
               <a:spcAft>
                 <a:spcPts val="1200"/>
               </a:spcAft>
-              <a:buNone/>
-            </a:pPr>
-            <a:r>
-              <a:rPr b="1" i="1" lang="es" sz="1400">
-                <a:solidFill>
-                  <a:schemeClr val="dk1"/>
-                </a:solidFill>
-                <a:latin typeface="Inter"/>
-                <a:ea typeface="Inter"/>
-                <a:cs typeface="Inter"/>
-                <a:sym typeface="Inter"/>
-              </a:rPr>
-              <a:t>V</a:t>
-            </a:r>
-            <a:r>
-              <a:rPr b="1" lang="es" sz="1400">
-                <a:solidFill>
-                  <a:schemeClr val="dk1"/>
-                </a:solidFill>
-                <a:latin typeface="Inter"/>
-                <a:ea typeface="Inter"/>
-                <a:cs typeface="Inter"/>
-                <a:sym typeface="Inter"/>
-              </a:rPr>
-              <a:t>: </a:t>
-            </a:r>
+              <a:buClr>
+                <a:schemeClr val="dk1"/>
+              </a:buClr>
+              <a:buSzPts val="1100"/>
+              <a:buFont typeface="Arial"/>
+              <a:buNone/>
+            </a:pPr>
             <a:r>
               <a:rPr lang="es" sz="1400">
                 <a:solidFill>
@@ -24235,151 +24429,7 @@
                 <a:cs typeface="Inter Medium"/>
                 <a:sym typeface="Inter Medium"/>
               </a:rPr>
-              <a:t>{ S }</a:t>
-            </a:r>
-            <a:r>
-              <a:rPr b="1" lang="es" sz="1400">
-                <a:solidFill>
-                  <a:schemeClr val="dk1"/>
-                </a:solidFill>
-                <a:latin typeface="Inter"/>
-                <a:ea typeface="Inter"/>
-                <a:cs typeface="Inter"/>
-                <a:sym typeface="Inter"/>
-              </a:rPr>
-              <a:t>	</a:t>
-            </a:r>
-            <a:r>
-              <a:rPr b="1" i="1" lang="es" sz="1400">
-                <a:solidFill>
-                  <a:schemeClr val="dk1"/>
-                </a:solidFill>
-                <a:latin typeface="Inter"/>
-                <a:ea typeface="Inter"/>
-                <a:cs typeface="Inter"/>
-                <a:sym typeface="Inter"/>
-              </a:rPr>
-              <a:t>Σ</a:t>
-            </a:r>
-            <a:r>
-              <a:rPr b="1" lang="es" sz="1400">
-                <a:solidFill>
-                  <a:schemeClr val="dk1"/>
-                </a:solidFill>
-                <a:latin typeface="Inter"/>
-                <a:ea typeface="Inter"/>
-                <a:cs typeface="Inter"/>
-                <a:sym typeface="Inter"/>
-              </a:rPr>
-              <a:t>: </a:t>
-            </a:r>
-            <a:r>
-              <a:rPr lang="es" sz="1400">
-                <a:solidFill>
-                  <a:schemeClr val="dk1"/>
-                </a:solidFill>
-                <a:latin typeface="Inter Medium"/>
-                <a:ea typeface="Inter Medium"/>
-                <a:cs typeface="Inter Medium"/>
-                <a:sym typeface="Inter Medium"/>
-              </a:rPr>
-              <a:t>{ a, b } </a:t>
-            </a:r>
-            <a:r>
-              <a:rPr b="1" lang="es" sz="1400">
-                <a:solidFill>
-                  <a:schemeClr val="dk1"/>
-                </a:solidFill>
-                <a:latin typeface="Inter"/>
-                <a:ea typeface="Inter"/>
-                <a:cs typeface="Inter"/>
-                <a:sym typeface="Inter"/>
-              </a:rPr>
-              <a:t>       </a:t>
-            </a:r>
-            <a:r>
-              <a:rPr b="1" i="1" lang="es" sz="1400">
-                <a:solidFill>
-                  <a:schemeClr val="dk1"/>
-                </a:solidFill>
-                <a:latin typeface="Inter"/>
-                <a:ea typeface="Inter"/>
-                <a:cs typeface="Inter"/>
-                <a:sym typeface="Inter"/>
-              </a:rPr>
-              <a:t>S</a:t>
-            </a:r>
-            <a:r>
-              <a:rPr b="1" lang="es" sz="1400">
-                <a:solidFill>
-                  <a:schemeClr val="dk1"/>
-                </a:solidFill>
-                <a:latin typeface="Inter"/>
-                <a:ea typeface="Inter"/>
-                <a:cs typeface="Inter"/>
-                <a:sym typeface="Inter"/>
-              </a:rPr>
-              <a:t>: </a:t>
-            </a:r>
-            <a:r>
-              <a:rPr lang="es" sz="1400">
-                <a:solidFill>
-                  <a:schemeClr val="dk1"/>
-                </a:solidFill>
-                <a:latin typeface="Inter Medium"/>
-                <a:ea typeface="Inter Medium"/>
-                <a:cs typeface="Inter Medium"/>
-                <a:sym typeface="Inter Medium"/>
-              </a:rPr>
-              <a:t>S</a:t>
-            </a:r>
-            <a:r>
-              <a:rPr b="1" lang="es" sz="1400">
-                <a:solidFill>
-                  <a:schemeClr val="dk1"/>
-                </a:solidFill>
-                <a:latin typeface="Inter"/>
-                <a:ea typeface="Inter"/>
-                <a:cs typeface="Inter"/>
-                <a:sym typeface="Inter"/>
-              </a:rPr>
-              <a:t>        </a:t>
-            </a:r>
-            <a:r>
-              <a:rPr b="1" i="1" lang="es" sz="1400">
-                <a:solidFill>
-                  <a:schemeClr val="dk1"/>
-                </a:solidFill>
-                <a:latin typeface="Inter"/>
-                <a:ea typeface="Inter"/>
-                <a:cs typeface="Inter"/>
-                <a:sym typeface="Inter"/>
-              </a:rPr>
-              <a:t>P</a:t>
-            </a:r>
-            <a:r>
-              <a:rPr b="1" lang="es" sz="1400">
-                <a:solidFill>
-                  <a:schemeClr val="dk1"/>
-                </a:solidFill>
-                <a:latin typeface="Inter"/>
-                <a:ea typeface="Inter"/>
-                <a:cs typeface="Inter"/>
-                <a:sym typeface="Inter"/>
-              </a:rPr>
-              <a:t>: </a:t>
-            </a:r>
-            <a:r>
-              <a:rPr lang="es" sz="1400">
-                <a:solidFill>
-                  <a:schemeClr val="dk1"/>
-                </a:solidFill>
-                <a:latin typeface="Inter Medium"/>
-                <a:ea typeface="Inter Medium"/>
-                <a:cs typeface="Inter Medium"/>
-                <a:sym typeface="Inter Medium"/>
-              </a:rPr>
-              <a:t>{ S -&gt; aSb, S -&gt; λ }</a:t>
+              <a:t>Piensenlo 5 minutos :)</a:t>
             </a:r>
             <a:endParaRPr sz="1400">
               <a:solidFill>
@@ -24395,7 +24445,7 @@
       </p:sp>
       <p:sp>
         <p:nvSpPr>
-          <p:cNvPr id="448" name="Google Shape;448;p47"/>
+          <p:cNvPr id="454" name="Google Shape;454;p47"/>
           <p:cNvSpPr txBox="1"/>
           <p:nvPr>
             <p:ph type="title"/>
@@ -24439,7 +24489,7 @@
       </p:sp>
       <p:sp>
         <p:nvSpPr>
-          <p:cNvPr id="449" name="Google Shape;449;p47"/>
+          <p:cNvPr id="455" name="Google Shape;455;p47"/>
           <p:cNvSpPr txBox="1"/>
           <p:nvPr>
             <p:ph idx="4294967295" type="subTitle"/>
@@ -24498,7 +24548,7 @@
       </p:sp>
       <p:sp>
         <p:nvSpPr>
-          <p:cNvPr id="450" name="Google Shape;450;p47"/>
+          <p:cNvPr id="456" name="Google Shape;456;p47"/>
           <p:cNvSpPr txBox="1"/>
           <p:nvPr/>
         </p:nvSpPr>
@@ -24550,7 +24600,7 @@
       </p:sp>
       <p:pic>
         <p:nvPicPr>
-          <p:cNvPr id="451" name="Google Shape;451;p47"/>
+          <p:cNvPr id="457" name="Google Shape;457;p47"/>
           <p:cNvPicPr preferRelativeResize="0"/>
           <p:nvPr/>
         </p:nvPicPr>
@@ -24578,7 +24628,7 @@
       </p:pic>
       <p:sp>
         <p:nvSpPr>
-          <p:cNvPr id="452" name="Google Shape;452;p47"/>
+          <p:cNvPr id="458" name="Google Shape;458;p47"/>
           <p:cNvSpPr txBox="1"/>
           <p:nvPr>
             <p:ph idx="12" type="sldNum"/>
@@ -24629,7 +24679,7 @@
   <p:cSld>
     <p:spTree>
       <p:nvGrpSpPr>
-        <p:cNvPr id="456" name="Shape 456"/>
+        <p:cNvPr id="462" name="Shape 462"/>
         <p:cNvGrpSpPr/>
         <p:nvPr/>
       </p:nvGrpSpPr>
@@ -24643,7 +24693,7 @@
       </p:grpSpPr>
       <p:sp>
         <p:nvSpPr>
-          <p:cNvPr id="457" name="Google Shape;457;p48"/>
+          <p:cNvPr id="463" name="Google Shape;463;p48"/>
           <p:cNvSpPr txBox="1"/>
           <p:nvPr>
             <p:ph idx="1" type="body"/>
@@ -24651,7 +24701,7 @@
         </p:nvSpPr>
         <p:spPr>
           <a:xfrm>
-            <a:off x="311700" y="1238900"/>
+            <a:off x="311700" y="1152475"/>
             <a:ext cx="8520600" cy="3416400"/>
           </a:xfrm>
           <a:prstGeom prst="rect">
@@ -24664,22 +24714,250 @@
           </a:bodyPr>
           <a:lstStyle/>
           <a:p>
-            <a:pPr indent="-317500" lvl="0" marL="457200" rtl="0" algn="l">
+            <a:pPr indent="0" lvl="0" marL="0" rtl="0" algn="l">
+              <a:lnSpc>
+                <a:spcPct val="150000"/>
+              </a:lnSpc>
+              <a:spcBef>
+                <a:spcPts val="0"/>
+              </a:spcBef>
+              <a:spcAft>
+                <a:spcPts val="0"/>
+              </a:spcAft>
+              <a:buNone/>
+            </a:pPr>
+            <a:r>
+              <a:rPr b="1" lang="es" sz="1400">
+                <a:solidFill>
+                  <a:schemeClr val="dk1"/>
+                </a:solidFill>
+                <a:latin typeface="Inter"/>
+                <a:ea typeface="Inter"/>
+                <a:cs typeface="Inter"/>
+                <a:sym typeface="Inter"/>
+              </a:rPr>
+              <a:t>Qué gramática acepta el lenguaje L ?</a:t>
+            </a:r>
+            <a:endParaRPr b="1" sz="1400">
+              <a:solidFill>
+                <a:schemeClr val="dk1"/>
+              </a:solidFill>
+              <a:latin typeface="Inter"/>
+              <a:ea typeface="Inter"/>
+              <a:cs typeface="Inter"/>
+              <a:sym typeface="Inter"/>
+            </a:endParaRPr>
+          </a:p>
+          <a:p>
+            <a:pPr indent="0" lvl="0" marL="0" rtl="0" algn="l">
+              <a:lnSpc>
+                <a:spcPct val="150000"/>
+              </a:lnSpc>
+              <a:spcBef>
+                <a:spcPts val="1200"/>
+              </a:spcBef>
+              <a:spcAft>
+                <a:spcPts val="0"/>
+              </a:spcAft>
+              <a:buNone/>
+            </a:pPr>
+            <a:r>
+              <a:t/>
+            </a:r>
+            <a:endParaRPr b="1" sz="1400">
+              <a:solidFill>
+                <a:schemeClr val="dk1"/>
+              </a:solidFill>
+              <a:latin typeface="Inter"/>
+              <a:ea typeface="Inter"/>
+              <a:cs typeface="Inter"/>
+              <a:sym typeface="Inter"/>
+            </a:endParaRPr>
+          </a:p>
+          <a:p>
+            <a:pPr indent="0" lvl="0" marL="0" rtl="0" algn="l">
+              <a:lnSpc>
+                <a:spcPct val="150000"/>
+              </a:lnSpc>
+              <a:spcBef>
+                <a:spcPts val="1200"/>
+              </a:spcBef>
+              <a:spcAft>
+                <a:spcPts val="0"/>
+              </a:spcAft>
+              <a:buNone/>
+            </a:pPr>
+            <a:r>
+              <a:t/>
+            </a:r>
+            <a:endParaRPr b="1" sz="1400">
+              <a:solidFill>
+                <a:schemeClr val="dk1"/>
+              </a:solidFill>
+              <a:latin typeface="Inter"/>
+              <a:ea typeface="Inter"/>
+              <a:cs typeface="Inter"/>
+              <a:sym typeface="Inter"/>
+            </a:endParaRPr>
+          </a:p>
+          <a:p>
+            <a:pPr indent="0" lvl="0" marL="0" rtl="0" algn="ctr">
+              <a:lnSpc>
+                <a:spcPct val="150000"/>
+              </a:lnSpc>
+              <a:spcBef>
+                <a:spcPts val="1200"/>
+              </a:spcBef>
+              <a:spcAft>
+                <a:spcPts val="0"/>
+              </a:spcAft>
+              <a:buNone/>
+            </a:pPr>
+            <a:r>
+              <a:t/>
+            </a:r>
+            <a:endParaRPr b="1" sz="1600">
+              <a:solidFill>
+                <a:schemeClr val="dk1"/>
+              </a:solidFill>
+              <a:latin typeface="Inter"/>
+              <a:ea typeface="Inter"/>
+              <a:cs typeface="Inter"/>
+              <a:sym typeface="Inter"/>
+            </a:endParaRPr>
+          </a:p>
+          <a:p>
+            <a:pPr indent="0" lvl="0" marL="0" rtl="0" algn="ctr">
+              <a:lnSpc>
+                <a:spcPct val="150000"/>
+              </a:lnSpc>
+              <a:spcBef>
+                <a:spcPts val="1200"/>
+              </a:spcBef>
+              <a:spcAft>
+                <a:spcPts val="0"/>
+              </a:spcAft>
+              <a:buNone/>
+            </a:pPr>
+            <a:r>
+              <a:rPr lang="es" sz="1600">
+                <a:solidFill>
+                  <a:schemeClr val="dk1"/>
+                </a:solidFill>
+                <a:latin typeface="Inter Medium"/>
+                <a:ea typeface="Inter Medium"/>
+                <a:cs typeface="Inter Medium"/>
+                <a:sym typeface="Inter Medium"/>
+              </a:rPr>
+              <a:t>Damos </a:t>
+            </a:r>
+            <a:r>
+              <a:rPr b="1" lang="es" sz="1600">
+                <a:solidFill>
+                  <a:schemeClr val="dk1"/>
+                </a:solidFill>
+                <a:latin typeface="Inter"/>
+                <a:ea typeface="Inter"/>
+                <a:cs typeface="Inter"/>
+                <a:sym typeface="Inter"/>
+              </a:rPr>
+              <a:t>un </a:t>
+            </a:r>
+            <a:r>
+              <a:rPr lang="es" sz="1600">
+                <a:solidFill>
+                  <a:schemeClr val="dk1"/>
+                </a:solidFill>
+                <a:latin typeface="Inter Medium"/>
+                <a:ea typeface="Inter Medium"/>
+                <a:cs typeface="Inter Medium"/>
+                <a:sym typeface="Inter Medium"/>
+              </a:rPr>
+              <a:t>G</a:t>
+            </a:r>
+            <a:r>
+              <a:rPr b="1" lang="es" sz="1600">
+                <a:solidFill>
+                  <a:schemeClr val="dk1"/>
+                </a:solidFill>
+                <a:latin typeface="Inter"/>
+                <a:ea typeface="Inter"/>
+                <a:cs typeface="Inter"/>
+                <a:sym typeface="Inter"/>
+              </a:rPr>
+              <a:t> = &lt;</a:t>
+            </a:r>
+            <a:r>
+              <a:rPr b="1" i="1" lang="es" sz="1600">
+                <a:solidFill>
+                  <a:schemeClr val="dk1"/>
+                </a:solidFill>
+                <a:latin typeface="Inter"/>
+                <a:ea typeface="Inter"/>
+                <a:cs typeface="Inter"/>
+                <a:sym typeface="Inter"/>
+              </a:rPr>
+              <a:t>V, Σ, S, P </a:t>
+            </a:r>
+            <a:r>
+              <a:rPr b="1" lang="es" sz="1600">
+                <a:solidFill>
+                  <a:schemeClr val="dk1"/>
+                </a:solidFill>
+                <a:latin typeface="Inter"/>
+                <a:ea typeface="Inter"/>
+                <a:cs typeface="Inter"/>
+                <a:sym typeface="Inter"/>
+              </a:rPr>
+              <a:t>&gt;</a:t>
+            </a:r>
+            <a:endParaRPr b="1" i="1" sz="1400">
+              <a:solidFill>
+                <a:schemeClr val="dk1"/>
+              </a:solidFill>
+              <a:latin typeface="Inter"/>
+              <a:ea typeface="Inter"/>
+              <a:cs typeface="Inter"/>
+              <a:sym typeface="Inter"/>
+            </a:endParaRPr>
+          </a:p>
+          <a:p>
+            <a:pPr indent="0" lvl="0" marL="1828800" rtl="0" algn="l">
               <a:lnSpc>
                 <a:spcPct val="115000"/>
               </a:lnSpc>
               <a:spcBef>
-                <a:spcPts val="0"/>
-              </a:spcBef>
-              <a:spcAft>
-                <a:spcPts val="0"/>
-              </a:spcAft>
-              <a:buClr>
-                <a:schemeClr val="dk1"/>
-              </a:buClr>
-              <a:buSzPts val="1400"/>
-              <a:buChar char="●"/>
-            </a:pPr>
+                <a:spcPts val="1200"/>
+              </a:spcBef>
+              <a:spcAft>
+                <a:spcPts val="1200"/>
+              </a:spcAft>
+              <a:buNone/>
+            </a:pPr>
+            <a:r>
+              <a:rPr b="1" i="1" lang="es" sz="1400">
+                <a:solidFill>
+                  <a:schemeClr val="dk1"/>
+                </a:solidFill>
+                <a:latin typeface="Inter"/>
+                <a:ea typeface="Inter"/>
+                <a:cs typeface="Inter"/>
+                <a:sym typeface="Inter"/>
+              </a:rPr>
+              <a:t>V</a:t>
+            </a:r>
+            <a:r>
+              <a:rPr b="1" lang="es" sz="1400">
+                <a:solidFill>
+                  <a:schemeClr val="dk1"/>
+                </a:solidFill>
+                <a:latin typeface="Inter"/>
+                <a:ea typeface="Inter"/>
+                <a:cs typeface="Inter"/>
+                <a:sym typeface="Inter"/>
+              </a:rPr>
+              <a:t>: </a:t>
+            </a:r>
             <a:r>
               <a:rPr lang="es" sz="1400">
                 <a:solidFill>
@@ -24690,7 +24968,43 @@
                 <a:cs typeface="Inter Medium"/>
                 <a:sym typeface="Inter Medium"/>
               </a:rPr>
-              <a:t>Un string que contiene No terminales/</a:t>
+              <a:t>{ S }</a:t>
+            </a:r>
+            <a:r>
+              <a:rPr b="1" lang="es" sz="1400">
+                <a:solidFill>
+                  <a:schemeClr val="dk1"/>
+                </a:solidFill>
+                <a:latin typeface="Inter"/>
+                <a:ea typeface="Inter"/>
+                <a:cs typeface="Inter"/>
+                <a:sym typeface="Inter"/>
+              </a:rPr>
+              <a:t>	</a:t>
+            </a:r>
+            <a:r>
+              <a:rPr b="1" i="1" lang="es" sz="1400">
+                <a:solidFill>
+                  <a:schemeClr val="dk1"/>
+                </a:solidFill>
+                <a:latin typeface="Inter"/>
+                <a:ea typeface="Inter"/>
+                <a:cs typeface="Inter"/>
+                <a:sym typeface="Inter"/>
+              </a:rPr>
+              <a:t>Σ</a:t>
+            </a:r>
+            <a:r>
+              <a:rPr b="1" lang="es" sz="1400">
+                <a:solidFill>
+                  <a:schemeClr val="dk1"/>
+                </a:solidFill>
+                <a:latin typeface="Inter"/>
+                <a:ea typeface="Inter"/>
+                <a:cs typeface="Inter"/>
+                <a:sym typeface="Inter"/>
+              </a:rPr>
+              <a:t>: </a:t>
             </a:r>
             <a:r>
               <a:rPr lang="es" sz="1400">
@@ -24702,7 +25016,43 @@
                 <a:cs typeface="Inter Medium"/>
                 <a:sym typeface="Inter Medium"/>
               </a:rPr>
-              <a:t>variables</a:t>
+              <a:t>{ a, b } </a:t>
+            </a:r>
+            <a:r>
+              <a:rPr b="1" lang="es" sz="1400">
+                <a:solidFill>
+                  <a:schemeClr val="dk1"/>
+                </a:solidFill>
+                <a:latin typeface="Inter"/>
+                <a:ea typeface="Inter"/>
+                <a:cs typeface="Inter"/>
+                <a:sym typeface="Inter"/>
+              </a:rPr>
+              <a:t>       </a:t>
+            </a:r>
+            <a:r>
+              <a:rPr b="1" i="1" lang="es" sz="1400">
+                <a:solidFill>
+                  <a:schemeClr val="dk1"/>
+                </a:solidFill>
+                <a:latin typeface="Inter"/>
+                <a:ea typeface="Inter"/>
+                <a:cs typeface="Inter"/>
+                <a:sym typeface="Inter"/>
+              </a:rPr>
+              <a:t>S</a:t>
+            </a:r>
+            <a:r>
+              <a:rPr b="1" lang="es" sz="1400">
+                <a:solidFill>
+                  <a:schemeClr val="dk1"/>
+                </a:solidFill>
+                <a:latin typeface="Inter"/>
+                <a:ea typeface="Inter"/>
+                <a:cs typeface="Inter"/>
+                <a:sym typeface="Inter"/>
+              </a:rPr>
+              <a:t>: </a:t>
             </a:r>
             <a:r>
               <a:rPr lang="es" sz="1400">
@@ -24714,7 +25064,7 @@
                 <a:cs typeface="Inter Medium"/>
                 <a:sym typeface="Inter Medium"/>
               </a:rPr>
-              <a:t> y terminales lo llamamos </a:t>
+              <a:t>S</a:t>
             </a:r>
             <a:r>
               <a:rPr b="1" lang="es" sz="1400">
@@ -24726,61 +25076,32 @@
                 <a:cs typeface="Inter"/>
                 <a:sym typeface="Inter"/>
               </a:rPr>
-              <a:t>Forma sentencial</a:t>
-            </a:r>
-            <a:endParaRPr b="1" sz="1400">
-              <a:solidFill>
-                <a:schemeClr val="dk1"/>
-              </a:solidFill>
-              <a:latin typeface="Inter"/>
-              <a:ea typeface="Inter"/>
-              <a:cs typeface="Inter"/>
-              <a:sym typeface="Inter"/>
-            </a:endParaRPr>
-          </a:p>
-          <a:p>
-            <a:pPr indent="0" lvl="0" marL="0" rtl="0" algn="l">
-              <a:lnSpc>
-                <a:spcPct val="115000"/>
-              </a:lnSpc>
-              <a:spcBef>
-                <a:spcPts val="1200"/>
-              </a:spcBef>
-              <a:spcAft>
-                <a:spcPts val="0"/>
-              </a:spcAft>
-              <a:buNone/>
-            </a:pPr>
-            <a:r>
-              <a:t/>
-            </a:r>
-            <a:endParaRPr b="1" sz="1400">
-              <a:solidFill>
-                <a:schemeClr val="dk1"/>
-              </a:solidFill>
-              <a:latin typeface="Inter"/>
-              <a:ea typeface="Inter"/>
-              <a:cs typeface="Inter"/>
-              <a:sym typeface="Inter"/>
-            </a:endParaRPr>
-          </a:p>
-          <a:p>
-            <a:pPr indent="-317500" lvl="0" marL="457200" rtl="0" algn="l">
-              <a:lnSpc>
-                <a:spcPct val="115000"/>
-              </a:lnSpc>
-              <a:spcBef>
-                <a:spcPts val="1200"/>
-              </a:spcBef>
-              <a:spcAft>
-                <a:spcPts val="0"/>
-              </a:spcAft>
-              <a:buClr>
-                <a:schemeClr val="dk1"/>
-              </a:buClr>
-              <a:buSzPts val="1400"/>
-              <a:buChar char="●"/>
-            </a:pPr>
+              <a:t>        </a:t>
+            </a:r>
+            <a:r>
+              <a:rPr b="1" i="1" lang="es" sz="1400">
+                <a:solidFill>
+                  <a:schemeClr val="dk1"/>
+                </a:solidFill>
+                <a:latin typeface="Inter"/>
+                <a:ea typeface="Inter"/>
+                <a:cs typeface="Inter"/>
+                <a:sym typeface="Inter"/>
+              </a:rPr>
+              <a:t>P</a:t>
+            </a:r>
+            <a:r>
+              <a:rPr b="1" lang="es" sz="1400">
+                <a:solidFill>
+                  <a:schemeClr val="dk1"/>
+                </a:solidFill>
+                <a:latin typeface="Inter"/>
+                <a:ea typeface="Inter"/>
+                <a:cs typeface="Inter"/>
+                <a:sym typeface="Inter"/>
+              </a:rPr>
+              <a:t>: </a:t>
+            </a:r>
             <a:r>
               <a:rPr lang="es" sz="1400">
                 <a:solidFill>
@@ -24791,111 +25112,7 @@
                 <a:cs typeface="Inter Medium"/>
                 <a:sym typeface="Inter Medium"/>
               </a:rPr>
-              <a:t>Un string que contiene sólo terminales lo llamamos </a:t>
-            </a:r>
-            <a:r>
-              <a:rPr b="1" lang="es" sz="1400">
-                <a:solidFill>
-                  <a:schemeClr val="dk1"/>
-                </a:solidFill>
-                <a:latin typeface="Inter"/>
-                <a:ea typeface="Inter"/>
-                <a:cs typeface="Inter"/>
-                <a:sym typeface="Inter"/>
-              </a:rPr>
-              <a:t>Sentencia</a:t>
-            </a:r>
-            <a:endParaRPr b="1" sz="1400">
-              <a:solidFill>
-                <a:schemeClr val="dk1"/>
-              </a:solidFill>
-              <a:latin typeface="Inter"/>
-              <a:ea typeface="Inter"/>
-              <a:cs typeface="Inter"/>
-              <a:sym typeface="Inter"/>
-            </a:endParaRPr>
-          </a:p>
-          <a:p>
-            <a:pPr indent="0" lvl="0" marL="0" rtl="0" algn="l">
-              <a:lnSpc>
-                <a:spcPct val="115000"/>
-              </a:lnSpc>
-              <a:spcBef>
-                <a:spcPts val="1200"/>
-              </a:spcBef>
-              <a:spcAft>
-                <a:spcPts val="0"/>
-              </a:spcAft>
-              <a:buNone/>
-            </a:pPr>
-            <a:r>
-              <a:t/>
-            </a:r>
-            <a:endParaRPr b="1" sz="1400">
-              <a:solidFill>
-                <a:schemeClr val="dk1"/>
-              </a:solidFill>
-              <a:latin typeface="Inter"/>
-              <a:ea typeface="Inter"/>
-              <a:cs typeface="Inter"/>
-              <a:sym typeface="Inter"/>
-            </a:endParaRPr>
-          </a:p>
-          <a:p>
-            <a:pPr indent="0" lvl="0" marL="0" rtl="0" algn="l">
-              <a:lnSpc>
-                <a:spcPct val="115000"/>
-              </a:lnSpc>
-              <a:spcBef>
-                <a:spcPts val="1200"/>
-              </a:spcBef>
-              <a:spcAft>
-                <a:spcPts val="0"/>
-              </a:spcAft>
-              <a:buNone/>
-            </a:pPr>
-            <a:r>
-              <a:t/>
-            </a:r>
-            <a:endParaRPr b="1" sz="1400">
-              <a:solidFill>
-                <a:schemeClr val="dk1"/>
-              </a:solidFill>
-              <a:latin typeface="Inter"/>
-              <a:ea typeface="Inter"/>
-              <a:cs typeface="Inter"/>
-              <a:sym typeface="Inter"/>
-            </a:endParaRPr>
-          </a:p>
-          <a:p>
-            <a:pPr indent="-317500" lvl="0" marL="457200" rtl="0" algn="l">
-              <a:lnSpc>
-                <a:spcPct val="115000"/>
-              </a:lnSpc>
-              <a:spcBef>
-                <a:spcPts val="1200"/>
-              </a:spcBef>
-              <a:spcAft>
-                <a:spcPts val="0"/>
-              </a:spcAft>
-              <a:buClr>
-                <a:schemeClr val="dk1"/>
-              </a:buClr>
-              <a:buSzPts val="1400"/>
-              <a:buFont typeface="Inter Medium"/>
-              <a:buChar char="●"/>
-            </a:pPr>
-            <a:r>
-              <a:rPr lang="es" sz="1400">
-                <a:solidFill>
-                  <a:schemeClr val="dk1"/>
-                </a:solidFill>
-                <a:latin typeface="Inter Medium"/>
-                <a:ea typeface="Inter Medium"/>
-                <a:cs typeface="Inter Medium"/>
-                <a:sym typeface="Inter Medium"/>
-              </a:rPr>
-              <a:t>Escribimos					Para denotar</a:t>
+              <a:t>{ S -&gt; aSb, S -&gt; λ }</a:t>
             </a:r>
             <a:endParaRPr sz="1400">
               <a:solidFill>
@@ -24911,7 +25128,7 @@
       </p:sp>
       <p:sp>
         <p:nvSpPr>
-          <p:cNvPr id="458" name="Google Shape;458;p48"/>
+          <p:cNvPr id="464" name="Google Shape;464;p48"/>
           <p:cNvSpPr txBox="1"/>
           <p:nvPr>
             <p:ph type="title"/>
@@ -24942,13 +25159,7 @@
               <a:buNone/>
             </a:pPr>
             <a:r>
-              <a:rPr lang="es">
-                <a:latin typeface="Inter Medium"/>
-                <a:ea typeface="Inter Medium"/>
-                <a:cs typeface="Inter Medium"/>
-                <a:sym typeface="Inter Medium"/>
-              </a:rPr>
-              <a:t>Detalles…</a:t>
+              <a:t/>
             </a:r>
             <a:endParaRPr>
               <a:latin typeface="Inter Medium"/>
@@ -24961,7 +25172,7 @@
       </p:sp>
       <p:sp>
         <p:nvSpPr>
-          <p:cNvPr id="459" name="Google Shape;459;p48"/>
+          <p:cNvPr id="465" name="Google Shape;465;p48"/>
           <p:cNvSpPr txBox="1"/>
           <p:nvPr>
             <p:ph idx="4294967295" type="subTitle"/>
@@ -25020,7 +25231,7 @@
       </p:sp>
       <p:sp>
         <p:nvSpPr>
-          <p:cNvPr id="460" name="Google Shape;460;p48"/>
+          <p:cNvPr id="466" name="Google Shape;466;p48"/>
           <p:cNvSpPr txBox="1"/>
           <p:nvPr/>
         </p:nvSpPr>
@@ -25072,7 +25283,7 @@
       </p:sp>
       <p:pic>
         <p:nvPicPr>
-          <p:cNvPr id="461" name="Google Shape;461;p48"/>
+          <p:cNvPr id="467" name="Google Shape;467;p48"/>
           <p:cNvPicPr preferRelativeResize="0"/>
           <p:nvPr/>
         </p:nvPicPr>
@@ -25086,8 +25297,8 @@
         </p:blipFill>
         <p:spPr>
           <a:xfrm>
-            <a:off x="2461287" y="2658176"/>
-            <a:ext cx="4221423" cy="219850"/>
+            <a:off x="3700812" y="1765253"/>
+            <a:ext cx="1742374" cy="352247"/>
           </a:xfrm>
           <a:prstGeom prst="rect">
             <a:avLst/>
@@ -25098,65 +25309,9 @@
           </a:ln>
         </p:spPr>
       </p:pic>
-      <p:pic>
-        <p:nvPicPr>
-          <p:cNvPr id="462" name="Google Shape;462;p48"/>
-          <p:cNvPicPr preferRelativeResize="0"/>
-          <p:nvPr/>
-        </p:nvPicPr>
-        <p:blipFill>
-          <a:blip r:embed="rId4">
-            <a:alphaModFix/>
-          </a:blip>
-          <a:stretch>
-            <a:fillRect/>
-          </a:stretch>
-        </p:blipFill>
-        <p:spPr>
-          <a:xfrm>
-            <a:off x="2062681" y="3197200"/>
-            <a:ext cx="1126319" cy="378900"/>
-          </a:xfrm>
-          <a:prstGeom prst="rect">
-            <a:avLst/>
-          </a:prstGeom>
-          <a:noFill/>
-          <a:ln>
-            <a:noFill/>
-          </a:ln>
-        </p:spPr>
-      </p:pic>
-      <p:pic>
-        <p:nvPicPr>
-          <p:cNvPr id="463" name="Google Shape;463;p48"/>
-          <p:cNvPicPr preferRelativeResize="0"/>
-          <p:nvPr/>
-        </p:nvPicPr>
-        <p:blipFill>
-          <a:blip r:embed="rId5">
-            <a:alphaModFix/>
-          </a:blip>
-          <a:stretch>
-            <a:fillRect/>
-          </a:stretch>
-        </p:blipFill>
-        <p:spPr>
-          <a:xfrm>
-            <a:off x="5309298" y="3326350"/>
-            <a:ext cx="3523000" cy="178250"/>
-          </a:xfrm>
-          <a:prstGeom prst="rect">
-            <a:avLst/>
-          </a:prstGeom>
-          <a:noFill/>
-          <a:ln>
-            <a:noFill/>
-          </a:ln>
-        </p:spPr>
-      </p:pic>
-      <p:sp>
-        <p:nvSpPr>
-          <p:cNvPr id="464" name="Google Shape;464;p48"/>
+      <p:sp>
+        <p:nvSpPr>
+          <p:cNvPr id="468" name="Google Shape;468;p48"/>
           <p:cNvSpPr txBox="1"/>
           <p:nvPr>
             <p:ph idx="12" type="sldNum"/>
@@ -25207,7 +25362,7 @@
   <p:cSld>
     <p:spTree>
       <p:nvGrpSpPr>
-        <p:cNvPr id="468" name="Shape 468"/>
+        <p:cNvPr id="472" name="Shape 472"/>
         <p:cNvGrpSpPr/>
         <p:nvPr/>
       </p:nvGrpSpPr>
@@ -25221,7 +25376,7 @@
       </p:grpSpPr>
       <p:sp>
         <p:nvSpPr>
-          <p:cNvPr id="469" name="Google Shape;469;p49"/>
+          <p:cNvPr id="473" name="Google Shape;473;p49"/>
           <p:cNvSpPr txBox="1"/>
           <p:nvPr>
             <p:ph idx="1" type="body"/>
@@ -25229,7 +25384,7 @@
         </p:nvSpPr>
         <p:spPr>
           <a:xfrm>
-            <a:off x="311700" y="1152475"/>
+            <a:off x="311700" y="1238900"/>
             <a:ext cx="8520600" cy="3416400"/>
           </a:xfrm>
           <a:prstGeom prst="rect">
@@ -25242,9 +25397,9 @@
           </a:bodyPr>
           <a:lstStyle/>
           <a:p>
-            <a:pPr indent="0" lvl="0" marL="0" rtl="0" algn="l">
+            <a:pPr indent="-317500" lvl="0" marL="457200" rtl="0" algn="l">
               <a:lnSpc>
-                <a:spcPct val="150000"/>
+                <a:spcPct val="115000"/>
               </a:lnSpc>
               <a:spcBef>
                 <a:spcPts val="0"/>
@@ -25252,43 +25407,48 @@
               <a:spcAft>
                 <a:spcPts val="0"/>
               </a:spcAft>
-              <a:buNone/>
-            </a:pPr>
-            <a:r>
-              <a:rPr b="1" lang="es">
+              <a:buClr>
+                <a:schemeClr val="dk1"/>
+              </a:buClr>
+              <a:buSzPts val="1400"/>
+              <a:buChar char="●"/>
+            </a:pPr>
+            <a:r>
+              <a:rPr lang="es" sz="1400">
                 <a:solidFill>
                   <a:schemeClr val="dk1"/>
                 </a:solidFill>
-                <a:latin typeface="Inter"/>
-                <a:ea typeface="Inter"/>
-                <a:cs typeface="Inter"/>
-                <a:sym typeface="Inter"/>
-              </a:rPr>
-              <a:t>Pequeño ejercicio</a:t>
-            </a:r>
-            <a:endParaRPr b="1">
-              <a:solidFill>
-                <a:schemeClr val="dk1"/>
-              </a:solidFill>
-              <a:latin typeface="Inter"/>
-              <a:ea typeface="Inter"/>
-              <a:cs typeface="Inter"/>
-              <a:sym typeface="Inter"/>
-            </a:endParaRPr>
-          </a:p>
-          <a:p>
-            <a:pPr indent="0" lvl="0" marL="0" rtl="0" algn="ctr">
-              <a:lnSpc>
-                <a:spcPct val="150000"/>
-              </a:lnSpc>
-              <a:spcBef>
-                <a:spcPts val="1200"/>
-              </a:spcBef>
-              <a:spcAft>
-                <a:spcPts val="0"/>
-              </a:spcAft>
-              <a:buNone/>
-            </a:pPr>
+                <a:latin typeface="Inter Medium"/>
+                <a:ea typeface="Inter Medium"/>
+                <a:cs typeface="Inter Medium"/>
+                <a:sym typeface="Inter Medium"/>
+              </a:rPr>
+              <a:t>Un string que contiene No terminales/</a:t>
+            </a:r>
+            <a:r>
+              <a:rPr lang="es" sz="1400">
+                <a:solidFill>
+                  <a:schemeClr val="dk1"/>
+                </a:solidFill>
+                <a:latin typeface="Inter Medium"/>
+                <a:ea typeface="Inter Medium"/>
+                <a:cs typeface="Inter Medium"/>
+                <a:sym typeface="Inter Medium"/>
+              </a:rPr>
+              <a:t>variables</a:t>
+            </a:r>
+            <a:r>
+              <a:rPr lang="es" sz="1400">
+                <a:solidFill>
+                  <a:schemeClr val="dk1"/>
+                </a:solidFill>
+                <a:latin typeface="Inter Medium"/>
+                <a:ea typeface="Inter Medium"/>
+                <a:cs typeface="Inter Medium"/>
+                <a:sym typeface="Inter Medium"/>
+              </a:rPr>
+              <a:t> y terminales lo llamamos </a:t>
+            </a:r>
             <a:r>
               <a:rPr b="1" lang="es" sz="1400">
                 <a:solidFill>
@@ -25299,7 +25459,72 @@
                 <a:cs typeface="Inter"/>
                 <a:sym typeface="Inter"/>
               </a:rPr>
-              <a:t>Sea G = </a:t>
+              <a:t>Forma sentencial</a:t>
+            </a:r>
+            <a:endParaRPr b="1" sz="1400">
+              <a:solidFill>
+                <a:schemeClr val="dk1"/>
+              </a:solidFill>
+              <a:latin typeface="Inter"/>
+              <a:ea typeface="Inter"/>
+              <a:cs typeface="Inter"/>
+              <a:sym typeface="Inter"/>
+            </a:endParaRPr>
+          </a:p>
+          <a:p>
+            <a:pPr indent="0" lvl="0" marL="0" rtl="0" algn="l">
+              <a:lnSpc>
+                <a:spcPct val="115000"/>
+              </a:lnSpc>
+              <a:spcBef>
+                <a:spcPts val="1200"/>
+              </a:spcBef>
+              <a:spcAft>
+                <a:spcPts val="0"/>
+              </a:spcAft>
+              <a:buNone/>
+            </a:pPr>
+            <a:r>
+              <a:t/>
+            </a:r>
+            <a:endParaRPr b="1" sz="1400">
+              <a:solidFill>
+                <a:schemeClr val="dk1"/>
+              </a:solidFill>
+              <a:latin typeface="Inter"/>
+              <a:ea typeface="Inter"/>
+              <a:cs typeface="Inter"/>
+              <a:sym typeface="Inter"/>
+            </a:endParaRPr>
+          </a:p>
+          <a:p>
+            <a:pPr indent="-317500" lvl="0" marL="457200" rtl="0" algn="l">
+              <a:lnSpc>
+                <a:spcPct val="115000"/>
+              </a:lnSpc>
+              <a:spcBef>
+                <a:spcPts val="1200"/>
+              </a:spcBef>
+              <a:spcAft>
+                <a:spcPts val="0"/>
+              </a:spcAft>
+              <a:buClr>
+                <a:schemeClr val="dk1"/>
+              </a:buClr>
+              <a:buSzPts val="1400"/>
+              <a:buChar char="●"/>
+            </a:pPr>
+            <a:r>
+              <a:rPr lang="es" sz="1400">
+                <a:solidFill>
+                  <a:schemeClr val="dk1"/>
+                </a:solidFill>
+                <a:latin typeface="Inter Medium"/>
+                <a:ea typeface="Inter Medium"/>
+                <a:cs typeface="Inter Medium"/>
+                <a:sym typeface="Inter Medium"/>
+              </a:rPr>
+              <a:t>Un string que contiene sólo terminales lo llamamos </a:t>
             </a:r>
             <a:r>
               <a:rPr b="1" lang="es" sz="1400">
@@ -25311,31 +25536,7 @@
                 <a:cs typeface="Inter"/>
                 <a:sym typeface="Inter"/>
               </a:rPr>
-              <a:t>&lt;</a:t>
-            </a:r>
-            <a:r>
-              <a:rPr b="1" i="1" lang="es" sz="1400">
-                <a:solidFill>
-                  <a:schemeClr val="dk1"/>
-                </a:solidFill>
-                <a:latin typeface="Inter"/>
-                <a:ea typeface="Inter"/>
-                <a:cs typeface="Inter"/>
-                <a:sym typeface="Inter"/>
-              </a:rPr>
-              <a:t>V, Σ, S, P </a:t>
-            </a:r>
-            <a:r>
-              <a:rPr b="1" lang="es" sz="1400">
-                <a:solidFill>
-                  <a:schemeClr val="dk1"/>
-                </a:solidFill>
-                <a:latin typeface="Inter"/>
-                <a:ea typeface="Inter"/>
-                <a:cs typeface="Inter"/>
-                <a:sym typeface="Inter"/>
-              </a:rPr>
-              <a:t>&gt; </a:t>
+              <a:t>Sentencia</a:t>
             </a:r>
             <a:endParaRPr b="1" sz="1400">
               <a:solidFill>
@@ -25350,7 +25551,7 @@
           <a:p>
             <a:pPr indent="0" lvl="0" marL="0" rtl="0" algn="l">
               <a:lnSpc>
-                <a:spcPct val="150000"/>
+                <a:spcPct val="115000"/>
               </a:lnSpc>
               <a:spcBef>
                 <a:spcPts val="1200"/>
@@ -25376,7 +25577,7 @@
           <a:p>
             <a:pPr indent="0" lvl="0" marL="0" rtl="0" algn="l">
               <a:lnSpc>
-                <a:spcPct val="150000"/>
+                <a:spcPct val="115000"/>
               </a:lnSpc>
               <a:spcBef>
                 <a:spcPts val="1200"/>
@@ -25387,40 +25588,7 @@
               <a:buNone/>
             </a:pPr>
             <a:r>
-              <a:rPr b="1" lang="es" sz="1400">
-                <a:solidFill>
-                  <a:schemeClr val="dk1"/>
-                </a:solidFill>
-                <a:latin typeface="Inter"/>
-                <a:ea typeface="Inter"/>
-                <a:cs typeface="Inter"/>
-                <a:sym typeface="Inter"/>
-              </a:rPr>
-              <a:t>Qué forma tienen </a:t>
-            </a:r>
-            <a:r>
-              <a:rPr b="1" i="1" lang="es" sz="1400">
-                <a:solidFill>
-                  <a:schemeClr val="dk1"/>
-                </a:solidFill>
-                <a:latin typeface="Inter"/>
-                <a:ea typeface="Inter"/>
-                <a:cs typeface="Inter"/>
-                <a:sym typeface="Inter"/>
-              </a:rPr>
-              <a:t>V, Σ, S, P </a:t>
-            </a:r>
-            <a:r>
-              <a:rPr b="1" lang="es" sz="1400">
-                <a:solidFill>
-                  <a:schemeClr val="dk1"/>
-                </a:solidFill>
-                <a:latin typeface="Inter"/>
-                <a:ea typeface="Inter"/>
-                <a:cs typeface="Inter"/>
-                <a:sym typeface="Inter"/>
-              </a:rPr>
-              <a:t> ?</a:t>
+              <a:t/>
             </a:r>
             <a:endParaRPr b="1" sz="1400">
               <a:solidFill>
@@ -25433,9 +25601,9 @@
             </a:endParaRPr>
           </a:p>
           <a:p>
-            <a:pPr indent="0" lvl="0" marL="0" rtl="0" algn="l">
+            <a:pPr indent="-317500" lvl="0" marL="457200" rtl="0" algn="l">
               <a:lnSpc>
-                <a:spcPct val="150000"/>
+                <a:spcPct val="115000"/>
               </a:lnSpc>
               <a:spcBef>
                 <a:spcPts val="1200"/>
@@ -25443,97 +25611,24 @@
               <a:spcAft>
                 <a:spcPts val="0"/>
               </a:spcAft>
-              <a:buNone/>
-            </a:pPr>
-            <a:r>
-              <a:t/>
-            </a:r>
-            <a:endParaRPr b="1" sz="1400">
-              <a:solidFill>
+              <a:buClr>
                 <a:schemeClr val="dk1"/>
-              </a:solidFill>
-              <a:latin typeface="Inter"/>
-              <a:ea typeface="Inter"/>
-              <a:cs typeface="Inter"/>
-              <a:sym typeface="Inter"/>
-            </a:endParaRPr>
-          </a:p>
-          <a:p>
-            <a:pPr indent="0" lvl="0" marL="0" rtl="0" algn="l">
-              <a:lnSpc>
-                <a:spcPct val="150000"/>
-              </a:lnSpc>
-              <a:spcBef>
-                <a:spcPts val="1200"/>
-              </a:spcBef>
-              <a:spcAft>
-                <a:spcPts val="0"/>
-              </a:spcAft>
-              <a:buNone/>
-            </a:pPr>
-            <a:r>
-              <a:rPr b="1" lang="es" sz="1400">
+              </a:buClr>
+              <a:buSzPts val="1400"/>
+              <a:buFont typeface="Inter Medium"/>
+              <a:buChar char="●"/>
+            </a:pPr>
+            <a:r>
+              <a:rPr lang="es" sz="1400">
                 <a:solidFill>
                   <a:schemeClr val="dk1"/>
                 </a:solidFill>
-                <a:latin typeface="Inter"/>
-                <a:ea typeface="Inter"/>
-                <a:cs typeface="Inter"/>
-                <a:sym typeface="Inter"/>
-              </a:rPr>
-              <a:t>Qué lenguaje acepta ?</a:t>
-            </a:r>
-            <a:endParaRPr b="1" sz="1400">
-              <a:solidFill>
-                <a:schemeClr val="dk1"/>
-              </a:solidFill>
-              <a:latin typeface="Inter"/>
-              <a:ea typeface="Inter"/>
-              <a:cs typeface="Inter"/>
-              <a:sym typeface="Inter"/>
-            </a:endParaRPr>
-          </a:p>
-          <a:p>
-            <a:pPr indent="0" lvl="0" marL="0" rtl="0" algn="l">
-              <a:lnSpc>
-                <a:spcPct val="150000"/>
-              </a:lnSpc>
-              <a:spcBef>
-                <a:spcPts val="1200"/>
-              </a:spcBef>
-              <a:spcAft>
-                <a:spcPts val="0"/>
-              </a:spcAft>
-              <a:buNone/>
-            </a:pPr>
-            <a:r>
-              <a:t/>
-            </a:r>
-            <a:endParaRPr b="1" sz="1400">
-              <a:solidFill>
-                <a:schemeClr val="dk1"/>
-              </a:solidFill>
-              <a:latin typeface="Inter"/>
-              <a:ea typeface="Inter"/>
-              <a:cs typeface="Inter"/>
-              <a:sym typeface="Inter"/>
-            </a:endParaRPr>
-          </a:p>
-          <a:p>
-            <a:pPr indent="0" lvl="0" marL="0" rtl="0" algn="l">
-              <a:lnSpc>
-                <a:spcPct val="115000"/>
-              </a:lnSpc>
-              <a:spcBef>
-                <a:spcPts val="1200"/>
-              </a:spcBef>
-              <a:spcAft>
-                <a:spcPts val="1200"/>
-              </a:spcAft>
-              <a:buNone/>
-            </a:pPr>
-            <a:r>
-              <a:t/>
+                <a:latin typeface="Inter Medium"/>
+                <a:ea typeface="Inter Medium"/>
+                <a:cs typeface="Inter Medium"/>
+                <a:sym typeface="Inter Medium"/>
+              </a:rPr>
+              <a:t>Escribimos					Para denotar</a:t>
             </a:r>
             <a:endParaRPr sz="1400">
               <a:solidFill>
@@ -25549,7 +25644,7 @@
       </p:sp>
       <p:sp>
         <p:nvSpPr>
-          <p:cNvPr id="470" name="Google Shape;470;p49"/>
+          <p:cNvPr id="474" name="Google Shape;474;p49"/>
           <p:cNvSpPr txBox="1"/>
           <p:nvPr>
             <p:ph type="title"/>
@@ -25580,7 +25675,13 @@
               <a:buNone/>
             </a:pPr>
             <a:r>
-              <a:t/>
+              <a:rPr lang="es">
+                <a:latin typeface="Inter Medium"/>
+                <a:ea typeface="Inter Medium"/>
+                <a:cs typeface="Inter Medium"/>
+                <a:sym typeface="Inter Medium"/>
+              </a:rPr>
+              <a:t>Detalles…</a:t>
             </a:r>
             <a:endParaRPr>
               <a:latin typeface="Inter Medium"/>
@@ -25593,7 +25694,7 @@
       </p:sp>
       <p:sp>
         <p:nvSpPr>
-          <p:cNvPr id="471" name="Google Shape;471;p49"/>
+          <p:cNvPr id="475" name="Google Shape;475;p49"/>
           <p:cNvSpPr txBox="1"/>
           <p:nvPr>
             <p:ph idx="4294967295" type="subTitle"/>
@@ -25652,7 +25753,7 @@
       </p:sp>
       <p:sp>
         <p:nvSpPr>
-          <p:cNvPr id="472" name="Google Shape;472;p49"/>
+          <p:cNvPr id="476" name="Google Shape;476;p49"/>
           <p:cNvSpPr txBox="1"/>
           <p:nvPr/>
         </p:nvSpPr>
@@ -25704,7 +25805,7 @@
       </p:sp>
       <p:pic>
         <p:nvPicPr>
-          <p:cNvPr id="473" name="Google Shape;473;p49"/>
+          <p:cNvPr id="477" name="Google Shape;477;p49"/>
           <p:cNvPicPr preferRelativeResize="0"/>
           <p:nvPr/>
         </p:nvPicPr>
@@ -25718,8 +25819,8 @@
         </p:blipFill>
         <p:spPr>
           <a:xfrm>
-            <a:off x="6447875" y="2430000"/>
-            <a:ext cx="1382624" cy="795750"/>
+            <a:off x="2461287" y="2658176"/>
+            <a:ext cx="4221423" cy="219850"/>
           </a:xfrm>
           <a:prstGeom prst="rect">
             <a:avLst/>
@@ -25730,9 +25831,65 @@
           </a:ln>
         </p:spPr>
       </p:pic>
-      <p:sp>
-        <p:nvSpPr>
-          <p:cNvPr id="474" name="Google Shape;474;p49"/>
+      <p:pic>
+        <p:nvPicPr>
+          <p:cNvPr id="478" name="Google Shape;478;p49"/>
+          <p:cNvPicPr preferRelativeResize="0"/>
+          <p:nvPr/>
+        </p:nvPicPr>
+        <p:blipFill>
+          <a:blip r:embed="rId4">
+            <a:alphaModFix/>
+          </a:blip>
+          <a:stretch>
+            <a:fillRect/>
+          </a:stretch>
+        </p:blipFill>
+        <p:spPr>
+          <a:xfrm>
+            <a:off x="2062681" y="3197200"/>
+            <a:ext cx="1126319" cy="378900"/>
+          </a:xfrm>
+          <a:prstGeom prst="rect">
+            <a:avLst/>
+          </a:prstGeom>
+          <a:noFill/>
+          <a:ln>
+            <a:noFill/>
+          </a:ln>
+        </p:spPr>
+      </p:pic>
+      <p:pic>
+        <p:nvPicPr>
+          <p:cNvPr id="479" name="Google Shape;479;p49"/>
+          <p:cNvPicPr preferRelativeResize="0"/>
+          <p:nvPr/>
+        </p:nvPicPr>
+        <p:blipFill>
+          <a:blip r:embed="rId5">
+            <a:alphaModFix/>
+          </a:blip>
+          <a:stretch>
+            <a:fillRect/>
+          </a:stretch>
+        </p:blipFill>
+        <p:spPr>
+          <a:xfrm>
+            <a:off x="5309298" y="3326350"/>
+            <a:ext cx="3523000" cy="178250"/>
+          </a:xfrm>
+          <a:prstGeom prst="rect">
+            <a:avLst/>
+          </a:prstGeom>
+          <a:noFill/>
+          <a:ln>
+            <a:noFill/>
+          </a:ln>
+        </p:spPr>
+      </p:pic>
+      <p:sp>
+        <p:nvSpPr>
+          <p:cNvPr id="480" name="Google Shape;480;p49"/>
           <p:cNvSpPr txBox="1"/>
           <p:nvPr>
             <p:ph idx="12" type="sldNum"/>
@@ -25783,7 +25940,7 @@
   <p:cSld>
     <p:spTree>
       <p:nvGrpSpPr>
-        <p:cNvPr id="478" name="Shape 478"/>
+        <p:cNvPr id="484" name="Shape 484"/>
         <p:cNvGrpSpPr/>
         <p:nvPr/>
       </p:nvGrpSpPr>
@@ -25797,7 +25954,7 @@
       </p:grpSpPr>
       <p:sp>
         <p:nvSpPr>
-          <p:cNvPr id="479" name="Google Shape;479;p50"/>
+          <p:cNvPr id="485" name="Google Shape;485;p50"/>
           <p:cNvSpPr txBox="1"/>
           <p:nvPr>
             <p:ph idx="1" type="body"/>
@@ -25820,10 +25977,45 @@
           <a:p>
             <a:pPr indent="0" lvl="0" marL="0" rtl="0" algn="l">
               <a:lnSpc>
-                <a:spcPct val="115000"/>
+                <a:spcPct val="150000"/>
               </a:lnSpc>
               <a:spcBef>
                 <a:spcPts val="0"/>
+              </a:spcBef>
+              <a:spcAft>
+                <a:spcPts val="0"/>
+              </a:spcAft>
+              <a:buNone/>
+            </a:pPr>
+            <a:r>
+              <a:rPr b="1" lang="es">
+                <a:solidFill>
+                  <a:schemeClr val="dk1"/>
+                </a:solidFill>
+                <a:latin typeface="Inter"/>
+                <a:ea typeface="Inter"/>
+                <a:cs typeface="Inter"/>
+                <a:sym typeface="Inter"/>
+              </a:rPr>
+              <a:t>Pequeño ejercicio</a:t>
+            </a:r>
+            <a:endParaRPr b="1">
+              <a:solidFill>
+                <a:schemeClr val="dk1"/>
+              </a:solidFill>
+              <a:latin typeface="Inter"/>
+              <a:ea typeface="Inter"/>
+              <a:cs typeface="Inter"/>
+              <a:sym typeface="Inter"/>
+            </a:endParaRPr>
+          </a:p>
+          <a:p>
+            <a:pPr indent="0" lvl="0" marL="0" rtl="0" algn="ctr">
+              <a:lnSpc>
+                <a:spcPct val="150000"/>
+              </a:lnSpc>
+              <a:spcBef>
+                <a:spcPts val="1200"/>
               </a:spcBef>
               <a:spcAft>
                 <a:spcPts val="0"/>
@@ -25840,7 +26032,43 @@
                 <a:cs typeface="Inter"/>
                 <a:sym typeface="Inter"/>
               </a:rPr>
-              <a:t>Dada una gramática G con símbolo inicial S, definimos L(G) como:</a:t>
+              <a:t>Sea G = </a:t>
+            </a:r>
+            <a:r>
+              <a:rPr b="1" lang="es" sz="1400">
+                <a:solidFill>
+                  <a:schemeClr val="dk1"/>
+                </a:solidFill>
+                <a:latin typeface="Inter"/>
+                <a:ea typeface="Inter"/>
+                <a:cs typeface="Inter"/>
+                <a:sym typeface="Inter"/>
+              </a:rPr>
+              <a:t>&lt;</a:t>
+            </a:r>
+            <a:r>
+              <a:rPr b="1" i="1" lang="es" sz="1400">
+                <a:solidFill>
+                  <a:schemeClr val="dk1"/>
+                </a:solidFill>
+                <a:latin typeface="Inter"/>
+                <a:ea typeface="Inter"/>
+                <a:cs typeface="Inter"/>
+                <a:sym typeface="Inter"/>
+              </a:rPr>
+              <a:t>V, Σ, S, P </a:t>
+            </a:r>
+            <a:r>
+              <a:rPr b="1" lang="es" sz="1400">
+                <a:solidFill>
+                  <a:schemeClr val="dk1"/>
+                </a:solidFill>
+                <a:latin typeface="Inter"/>
+                <a:ea typeface="Inter"/>
+                <a:cs typeface="Inter"/>
+                <a:sym typeface="Inter"/>
+              </a:rPr>
+              <a:t>&gt; </a:t>
             </a:r>
             <a:endParaRPr b="1" sz="1400">
               <a:solidFill>
@@ -25855,7 +26083,7 @@
           <a:p>
             <a:pPr indent="0" lvl="0" marL="0" rtl="0" algn="l">
               <a:lnSpc>
-                <a:spcPct val="115000"/>
+                <a:spcPct val="150000"/>
               </a:lnSpc>
               <a:spcBef>
                 <a:spcPts val="1200"/>
@@ -25881,7 +26109,7 @@
           <a:p>
             <a:pPr indent="0" lvl="0" marL="0" rtl="0" algn="l">
               <a:lnSpc>
-                <a:spcPct val="115000"/>
+                <a:spcPct val="150000"/>
               </a:lnSpc>
               <a:spcBef>
                 <a:spcPts val="1200"/>
@@ -25892,7 +26120,40 @@
               <a:buNone/>
             </a:pPr>
             <a:r>
-              <a:t/>
+              <a:rPr b="1" lang="es" sz="1400">
+                <a:solidFill>
+                  <a:schemeClr val="dk1"/>
+                </a:solidFill>
+                <a:latin typeface="Inter"/>
+                <a:ea typeface="Inter"/>
+                <a:cs typeface="Inter"/>
+                <a:sym typeface="Inter"/>
+              </a:rPr>
+              <a:t>Qué forma tienen </a:t>
+            </a:r>
+            <a:r>
+              <a:rPr b="1" i="1" lang="es" sz="1400">
+                <a:solidFill>
+                  <a:schemeClr val="dk1"/>
+                </a:solidFill>
+                <a:latin typeface="Inter"/>
+                <a:ea typeface="Inter"/>
+                <a:cs typeface="Inter"/>
+                <a:sym typeface="Inter"/>
+              </a:rPr>
+              <a:t>V, Σ, S, P </a:t>
+            </a:r>
+            <a:r>
+              <a:rPr b="1" lang="es" sz="1400">
+                <a:solidFill>
+                  <a:schemeClr val="dk1"/>
+                </a:solidFill>
+                <a:latin typeface="Inter"/>
+                <a:ea typeface="Inter"/>
+                <a:cs typeface="Inter"/>
+                <a:sym typeface="Inter"/>
+              </a:rPr>
+              <a:t> ?</a:t>
             </a:r>
             <a:endParaRPr b="1" sz="1400">
               <a:solidFill>
@@ -25907,7 +26168,7 @@
           <a:p>
             <a:pPr indent="0" lvl="0" marL="0" rtl="0" algn="l">
               <a:lnSpc>
-                <a:spcPct val="115000"/>
+                <a:spcPct val="150000"/>
               </a:lnSpc>
               <a:spcBef>
                 <a:spcPts val="1200"/>
@@ -25933,13 +26194,13 @@
           <a:p>
             <a:pPr indent="0" lvl="0" marL="0" rtl="0" algn="l">
               <a:lnSpc>
-                <a:spcPct val="115000"/>
+                <a:spcPct val="150000"/>
               </a:lnSpc>
               <a:spcBef>
                 <a:spcPts val="1200"/>
               </a:spcBef>
               <a:spcAft>
-                <a:spcPts val="1200"/>
+                <a:spcPts val="0"/>
               </a:spcAft>
               <a:buNone/>
             </a:pPr>
@@ -25953,55 +26214,7 @@
                 <a:cs typeface="Inter"/>
                 <a:sym typeface="Inter"/>
               </a:rPr>
-              <a:t>Nota: </a:t>
-            </a:r>
-            <a:r>
-              <a:rPr lang="es" sz="1400">
-                <a:solidFill>
-                  <a:schemeClr val="dk1"/>
-                </a:solidFill>
-                <a:latin typeface="Inter Medium"/>
-                <a:ea typeface="Inter Medium"/>
-                <a:cs typeface="Inter Medium"/>
-                <a:sym typeface="Inter Medium"/>
-              </a:rPr>
-              <a:t>Usamos una convención notacional para </a:t>
-            </a:r>
-            <a:r>
-              <a:rPr b="1" lang="es" sz="1400">
-                <a:solidFill>
-                  <a:schemeClr val="dk1"/>
-                </a:solidFill>
-                <a:latin typeface="Inter"/>
-                <a:ea typeface="Inter"/>
-                <a:cs typeface="Inter"/>
-                <a:sym typeface="Inter"/>
-              </a:rPr>
-              <a:t>A -&gt; aAb, A -&gt; λ</a:t>
-            </a:r>
-            <a:r>
-              <a:rPr lang="es" sz="1400">
-                <a:solidFill>
-                  <a:schemeClr val="dk1"/>
-                </a:solidFill>
-                <a:latin typeface="Inter Medium"/>
-                <a:ea typeface="Inter Medium"/>
-                <a:cs typeface="Inter Medium"/>
-                <a:sym typeface="Inter Medium"/>
-              </a:rPr>
-              <a:t> lo escribimos </a:t>
-            </a:r>
-            <a:r>
-              <a:rPr b="1" lang="es" sz="1400">
-                <a:solidFill>
-                  <a:schemeClr val="dk1"/>
-                </a:solidFill>
-                <a:latin typeface="Inter"/>
-                <a:ea typeface="Inter"/>
-                <a:cs typeface="Inter"/>
-                <a:sym typeface="Inter"/>
-              </a:rPr>
-              <a:t>A -&gt; aAb | λ</a:t>
+              <a:t>Qué lenguaje acepta ?</a:t>
             </a:r>
             <a:endParaRPr b="1" sz="1400">
               <a:solidFill>
@@ -26013,11 +26226,63 @@
               <a:sym typeface="Inter"/>
             </a:endParaRPr>
           </a:p>
+          <a:p>
+            <a:pPr indent="0" lvl="0" marL="0" rtl="0" algn="l">
+              <a:lnSpc>
+                <a:spcPct val="150000"/>
+              </a:lnSpc>
+              <a:spcBef>
+                <a:spcPts val="1200"/>
+              </a:spcBef>
+              <a:spcAft>
+                <a:spcPts val="0"/>
+              </a:spcAft>
+              <a:buNone/>
+            </a:pPr>
+            <a:r>
+              <a:t/>
+            </a:r>
+            <a:endParaRPr b="1" sz="1400">
+              <a:solidFill>
+                <a:schemeClr val="dk1"/>
+              </a:solidFill>
+              <a:latin typeface="Inter"/>
+              <a:ea typeface="Inter"/>
+              <a:cs typeface="Inter"/>
+              <a:sym typeface="Inter"/>
+            </a:endParaRPr>
+          </a:p>
+          <a:p>
+            <a:pPr indent="0" lvl="0" marL="0" rtl="0" algn="l">
+              <a:lnSpc>
+                <a:spcPct val="115000"/>
+              </a:lnSpc>
+              <a:spcBef>
+                <a:spcPts val="1200"/>
+              </a:spcBef>
+              <a:spcAft>
+                <a:spcPts val="1200"/>
+              </a:spcAft>
+              <a:buNone/>
+            </a:pPr>
+            <a:r>
+              <a:t/>
+            </a:r>
+            <a:endParaRPr sz="1400">
+              <a:solidFill>
+                <a:schemeClr val="dk1"/>
+              </a:solidFill>
+              <a:latin typeface="Inter Medium"/>
+              <a:ea typeface="Inter Medium"/>
+              <a:cs typeface="Inter Medium"/>
+              <a:sym typeface="Inter Medium"/>
+            </a:endParaRPr>
+          </a:p>
         </p:txBody>
       </p:sp>
       <p:sp>
         <p:nvSpPr>
-          <p:cNvPr id="480" name="Google Shape;480;p50"/>
+          <p:cNvPr id="486" name="Google Shape;486;p50"/>
           <p:cNvSpPr txBox="1"/>
           <p:nvPr>
             <p:ph type="title"/>
@@ -26048,13 +26313,7 @@
               <a:buNone/>
             </a:pPr>
             <a:r>
-              <a:rPr lang="es">
-                <a:latin typeface="Inter Medium"/>
-                <a:ea typeface="Inter Medium"/>
-                <a:cs typeface="Inter Medium"/>
-                <a:sym typeface="Inter Medium"/>
-              </a:rPr>
-              <a:t>Lenguaje generado</a:t>
+              <a:t/>
             </a:r>
             <a:endParaRPr>
               <a:latin typeface="Inter Medium"/>
@@ -26067,7 +26326,7 @@
       </p:sp>
       <p:sp>
         <p:nvSpPr>
-          <p:cNvPr id="481" name="Google Shape;481;p50"/>
+          <p:cNvPr id="487" name="Google Shape;487;p50"/>
           <p:cNvSpPr txBox="1"/>
           <p:nvPr>
             <p:ph idx="4294967295" type="subTitle"/>
@@ -26126,7 +26385,7 @@
       </p:sp>
       <p:sp>
         <p:nvSpPr>
-          <p:cNvPr id="482" name="Google Shape;482;p50"/>
+          <p:cNvPr id="488" name="Google Shape;488;p50"/>
           <p:cNvSpPr txBox="1"/>
           <p:nvPr/>
         </p:nvSpPr>
@@ -26178,7 +26437,7 @@
       </p:sp>
       <p:pic>
         <p:nvPicPr>
-          <p:cNvPr id="483" name="Google Shape;483;p50"/>
+          <p:cNvPr id="489" name="Google Shape;489;p50"/>
           <p:cNvPicPr preferRelativeResize="0"/>
           <p:nvPr/>
         </p:nvPicPr>
@@ -26192,8 +26451,8 @@
         </p:blipFill>
         <p:spPr>
           <a:xfrm>
-            <a:off x="3292126" y="1635800"/>
-            <a:ext cx="2559750" cy="528100"/>
+            <a:off x="6447875" y="2430000"/>
+            <a:ext cx="1382624" cy="795750"/>
           </a:xfrm>
           <a:prstGeom prst="rect">
             <a:avLst/>
@@ -26206,7 +26465,7 @@
       </p:pic>
       <p:sp>
         <p:nvSpPr>
-          <p:cNvPr id="484" name="Google Shape;484;p50"/>
+          <p:cNvPr id="490" name="Google Shape;490;p50"/>
           <p:cNvSpPr txBox="1"/>
           <p:nvPr>
             <p:ph idx="12" type="sldNum"/>
@@ -26257,7 +26516,7 @@
   <p:cSld>
     <p:spTree>
       <p:nvGrpSpPr>
-        <p:cNvPr id="488" name="Shape 488"/>
+        <p:cNvPr id="494" name="Shape 494"/>
         <p:cNvGrpSpPr/>
         <p:nvPr/>
       </p:nvGrpSpPr>
@@ -26271,7 +26530,7 @@
       </p:grpSpPr>
       <p:sp>
         <p:nvSpPr>
-          <p:cNvPr id="489" name="Google Shape;489;p51"/>
+          <p:cNvPr id="495" name="Google Shape;495;p51"/>
           <p:cNvSpPr txBox="1"/>
           <p:nvPr>
             <p:ph idx="1" type="body"/>
@@ -26294,7 +26553,7 @@
           <a:p>
             <a:pPr indent="0" lvl="0" marL="0" rtl="0" algn="l">
               <a:lnSpc>
-                <a:spcPct val="150000"/>
+                <a:spcPct val="115000"/>
               </a:lnSpc>
               <a:spcBef>
                 <a:spcPts val="0"/>
@@ -26305,7 +26564,7 @@
               <a:buNone/>
             </a:pPr>
             <a:r>
-              <a:rPr b="1" lang="es" sz="1600">
+              <a:rPr b="1" lang="es" sz="1400">
                 <a:solidFill>
                   <a:schemeClr val="dk1"/>
                 </a:solidFill>
@@ -26314,9 +26573,9 @@
                 <a:cs typeface="Inter"/>
                 <a:sym typeface="Inter"/>
               </a:rPr>
-              <a:t>Ejercicio					      </a:t>
-            </a:r>
-            <a:endParaRPr b="1" sz="1600">
+              <a:t>Dada una gramática G con símbolo inicial S, definimos L(G) como:</a:t>
+            </a:r>
+            <a:endParaRPr b="1" sz="1400">
               <a:solidFill>
                 <a:schemeClr val="dk1"/>
               </a:solidFill>
@@ -26329,7 +26588,7 @@
           <a:p>
             <a:pPr indent="0" lvl="0" marL="0" rtl="0" algn="l">
               <a:lnSpc>
-                <a:spcPct val="150000"/>
+                <a:spcPct val="115000"/>
               </a:lnSpc>
               <a:spcBef>
                 <a:spcPts val="1200"/>
@@ -26342,7 +26601,7 @@
             <a:r>
               <a:t/>
             </a:r>
-            <a:endParaRPr b="1" sz="1600">
+            <a:endParaRPr b="1" sz="1400">
               <a:solidFill>
                 <a:schemeClr val="dk1"/>
               </a:solidFill>
@@ -26355,7 +26614,7 @@
           <a:p>
             <a:pPr indent="0" lvl="0" marL="0" rtl="0" algn="l">
               <a:lnSpc>
-                <a:spcPct val="150000"/>
+                <a:spcPct val="115000"/>
               </a:lnSpc>
               <a:spcBef>
                 <a:spcPts val="1200"/>
@@ -26365,6 +26624,70 @@
               </a:spcAft>
               <a:buNone/>
             </a:pPr>
+            <a:r>
+              <a:t/>
+            </a:r>
+            <a:endParaRPr b="1" sz="1400">
+              <a:solidFill>
+                <a:schemeClr val="dk1"/>
+              </a:solidFill>
+              <a:latin typeface="Inter"/>
+              <a:ea typeface="Inter"/>
+              <a:cs typeface="Inter"/>
+              <a:sym typeface="Inter"/>
+            </a:endParaRPr>
+          </a:p>
+          <a:p>
+            <a:pPr indent="0" lvl="0" marL="0" rtl="0" algn="l">
+              <a:lnSpc>
+                <a:spcPct val="115000"/>
+              </a:lnSpc>
+              <a:spcBef>
+                <a:spcPts val="1200"/>
+              </a:spcBef>
+              <a:spcAft>
+                <a:spcPts val="0"/>
+              </a:spcAft>
+              <a:buNone/>
+            </a:pPr>
+            <a:r>
+              <a:t/>
+            </a:r>
+            <a:endParaRPr b="1" sz="1400">
+              <a:solidFill>
+                <a:schemeClr val="dk1"/>
+              </a:solidFill>
+              <a:latin typeface="Inter"/>
+              <a:ea typeface="Inter"/>
+              <a:cs typeface="Inter"/>
+              <a:sym typeface="Inter"/>
+            </a:endParaRPr>
+          </a:p>
+          <a:p>
+            <a:pPr indent="0" lvl="0" marL="0" rtl="0" algn="l">
+              <a:lnSpc>
+                <a:spcPct val="115000"/>
+              </a:lnSpc>
+              <a:spcBef>
+                <a:spcPts val="1200"/>
+              </a:spcBef>
+              <a:spcAft>
+                <a:spcPts val="1200"/>
+              </a:spcAft>
+              <a:buNone/>
+            </a:pPr>
+            <a:r>
+              <a:rPr b="1" lang="es" sz="1400">
+                <a:solidFill>
+                  <a:schemeClr val="dk1"/>
+                </a:solidFill>
+                <a:latin typeface="Inter"/>
+                <a:ea typeface="Inter"/>
+                <a:cs typeface="Inter"/>
+                <a:sym typeface="Inter"/>
+              </a:rPr>
+              <a:t>Nota: </a:t>
+            </a:r>
             <a:r>
               <a:rPr lang="es" sz="1400">
                 <a:solidFill>
@@ -26375,33 +26698,43 @@
                 <a:cs typeface="Inter Medium"/>
                 <a:sym typeface="Inter Medium"/>
               </a:rPr>
-              <a:t>Dar una reducción de G</a:t>
-            </a:r>
-            <a:endParaRPr sz="1600">
-              <a:solidFill>
-                <a:schemeClr val="dk1"/>
-              </a:solidFill>
-              <a:latin typeface="Inter Medium"/>
-              <a:ea typeface="Inter Medium"/>
-              <a:cs typeface="Inter Medium"/>
-              <a:sym typeface="Inter Medium"/>
-            </a:endParaRPr>
-          </a:p>
-          <a:p>
-            <a:pPr indent="0" lvl="0" marL="0" rtl="0" algn="l">
-              <a:lnSpc>
-                <a:spcPct val="150000"/>
-              </a:lnSpc>
-              <a:spcBef>
-                <a:spcPts val="1200"/>
-              </a:spcBef>
-              <a:spcAft>
-                <a:spcPts val="0"/>
-              </a:spcAft>
-              <a:buNone/>
-            </a:pPr>
-            <a:r>
-              <a:t/>
+              <a:t>Usamos una convención notacional para </a:t>
+            </a:r>
+            <a:r>
+              <a:rPr b="1" lang="es" sz="1400">
+                <a:solidFill>
+                  <a:schemeClr val="dk1"/>
+                </a:solidFill>
+                <a:latin typeface="Inter"/>
+                <a:ea typeface="Inter"/>
+                <a:cs typeface="Inter"/>
+                <a:sym typeface="Inter"/>
+              </a:rPr>
+              <a:t>A -&gt; aAb, A -&gt; λ</a:t>
+            </a:r>
+            <a:r>
+              <a:rPr lang="es" sz="1400">
+                <a:solidFill>
+                  <a:schemeClr val="dk1"/>
+                </a:solidFill>
+                <a:latin typeface="Inter Medium"/>
+                <a:ea typeface="Inter Medium"/>
+                <a:cs typeface="Inter Medium"/>
+                <a:sym typeface="Inter Medium"/>
+              </a:rPr>
+              <a:t> lo escribimos </a:t>
+            </a:r>
+            <a:r>
+              <a:rPr b="1" lang="es" sz="1400">
+                <a:solidFill>
+                  <a:schemeClr val="dk1"/>
+                </a:solidFill>
+                <a:latin typeface="Inter"/>
+                <a:ea typeface="Inter"/>
+                <a:cs typeface="Inter"/>
+                <a:sym typeface="Inter"/>
+              </a:rPr>
+              <a:t>A -&gt; aAb | λ</a:t>
             </a:r>
             <a:endParaRPr b="1" sz="1400">
               <a:solidFill>
@@ -26413,89 +26746,11 @@
               <a:sym typeface="Inter"/>
             </a:endParaRPr>
           </a:p>
-          <a:p>
-            <a:pPr indent="0" lvl="0" marL="0" rtl="0" algn="l">
-              <a:lnSpc>
-                <a:spcPct val="150000"/>
-              </a:lnSpc>
-              <a:spcBef>
-                <a:spcPts val="1200"/>
-              </a:spcBef>
-              <a:spcAft>
-                <a:spcPts val="0"/>
-              </a:spcAft>
-              <a:buNone/>
-            </a:pPr>
-            <a:r>
-              <a:t/>
-            </a:r>
-            <a:endParaRPr b="1" sz="1400">
-              <a:solidFill>
-                <a:schemeClr val="dk1"/>
-              </a:solidFill>
-              <a:latin typeface="Inter"/>
-              <a:ea typeface="Inter"/>
-              <a:cs typeface="Inter"/>
-              <a:sym typeface="Inter"/>
-            </a:endParaRPr>
-          </a:p>
-          <a:p>
-            <a:pPr indent="0" lvl="0" marL="0" rtl="0" algn="l">
-              <a:lnSpc>
-                <a:spcPct val="150000"/>
-              </a:lnSpc>
-              <a:spcBef>
-                <a:spcPts val="1200"/>
-              </a:spcBef>
-              <a:spcAft>
-                <a:spcPts val="0"/>
-              </a:spcAft>
-              <a:buNone/>
-            </a:pPr>
-            <a:r>
-              <a:t/>
-            </a:r>
-            <a:endParaRPr b="1" sz="1400">
-              <a:solidFill>
-                <a:schemeClr val="dk1"/>
-              </a:solidFill>
-              <a:latin typeface="Inter"/>
-              <a:ea typeface="Inter"/>
-              <a:cs typeface="Inter"/>
-              <a:sym typeface="Inter"/>
-            </a:endParaRPr>
-          </a:p>
-          <a:p>
-            <a:pPr indent="0" lvl="0" marL="0" rtl="0" algn="l">
-              <a:lnSpc>
-                <a:spcPct val="115000"/>
-              </a:lnSpc>
-              <a:spcBef>
-                <a:spcPts val="1200"/>
-              </a:spcBef>
-              <a:spcAft>
-                <a:spcPts val="1200"/>
-              </a:spcAft>
-              <a:buNone/>
-            </a:pPr>
-            <a:r>
-              <a:t/>
-            </a:r>
-            <a:endParaRPr sz="1400">
-              <a:solidFill>
-                <a:schemeClr val="dk1"/>
-              </a:solidFill>
-              <a:latin typeface="Inter Medium"/>
-              <a:ea typeface="Inter Medium"/>
-              <a:cs typeface="Inter Medium"/>
-              <a:sym typeface="Inter Medium"/>
-            </a:endParaRPr>
-          </a:p>
         </p:txBody>
       </p:sp>
       <p:sp>
         <p:nvSpPr>
-          <p:cNvPr id="490" name="Google Shape;490;p51"/>
+          <p:cNvPr id="496" name="Google Shape;496;p51"/>
           <p:cNvSpPr txBox="1"/>
           <p:nvPr>
             <p:ph type="title"/>
@@ -26526,7 +26781,13 @@
               <a:buNone/>
             </a:pPr>
             <a:r>
-              <a:t/>
+              <a:rPr lang="es">
+                <a:latin typeface="Inter Medium"/>
+                <a:ea typeface="Inter Medium"/>
+                <a:cs typeface="Inter Medium"/>
+                <a:sym typeface="Inter Medium"/>
+              </a:rPr>
+              <a:t>Lenguaje generado</a:t>
             </a:r>
             <a:endParaRPr>
               <a:latin typeface="Inter Medium"/>
@@ -26539,7 +26800,7 @@
       </p:sp>
       <p:sp>
         <p:nvSpPr>
-          <p:cNvPr id="491" name="Google Shape;491;p51"/>
+          <p:cNvPr id="497" name="Google Shape;497;p51"/>
           <p:cNvSpPr txBox="1"/>
           <p:nvPr>
             <p:ph idx="4294967295" type="subTitle"/>
@@ -26598,7 +26859,7 @@
       </p:sp>
       <p:sp>
         <p:nvSpPr>
-          <p:cNvPr id="492" name="Google Shape;492;p51"/>
+          <p:cNvPr id="498" name="Google Shape;498;p51"/>
           <p:cNvSpPr txBox="1"/>
           <p:nvPr/>
         </p:nvSpPr>
@@ -26650,7 +26911,7 @@
       </p:sp>
       <p:pic>
         <p:nvPicPr>
-          <p:cNvPr id="493" name="Google Shape;493;p51"/>
+          <p:cNvPr id="499" name="Google Shape;499;p51"/>
           <p:cNvPicPr preferRelativeResize="0"/>
           <p:nvPr/>
         </p:nvPicPr>
@@ -26664,8 +26925,8 @@
         </p:blipFill>
         <p:spPr>
           <a:xfrm>
-            <a:off x="401994" y="2744275"/>
-            <a:ext cx="2706026" cy="1225025"/>
+            <a:off x="3292126" y="1635800"/>
+            <a:ext cx="2559750" cy="528100"/>
           </a:xfrm>
           <a:prstGeom prst="rect">
             <a:avLst/>
@@ -26678,7 +26939,7 @@
       </p:pic>
       <p:sp>
         <p:nvSpPr>
-          <p:cNvPr id="494" name="Google Shape;494;p51"/>
+          <p:cNvPr id="500" name="Google Shape;500;p51"/>
           <p:cNvSpPr txBox="1"/>
           <p:nvPr>
             <p:ph idx="12" type="sldNum"/>
@@ -27362,7 +27623,7 @@
   <p:cSld>
     <p:spTree>
       <p:nvGrpSpPr>
-        <p:cNvPr id="498" name="Shape 498"/>
+        <p:cNvPr id="504" name="Shape 504"/>
         <p:cNvGrpSpPr/>
         <p:nvPr/>
       </p:nvGrpSpPr>
@@ -27376,7 +27637,7 @@
       </p:grpSpPr>
       <p:sp>
         <p:nvSpPr>
-          <p:cNvPr id="499" name="Google Shape;499;p52"/>
+          <p:cNvPr id="505" name="Google Shape;505;p52"/>
           <p:cNvSpPr txBox="1"/>
           <p:nvPr>
             <p:ph idx="1" type="body"/>
@@ -27399,10 +27660,184 @@
           <a:p>
             <a:pPr indent="0" lvl="0" marL="0" rtl="0" algn="l">
               <a:lnSpc>
+                <a:spcPct val="150000"/>
+              </a:lnSpc>
+              <a:spcBef>
+                <a:spcPts val="0"/>
+              </a:spcBef>
+              <a:spcAft>
+                <a:spcPts val="0"/>
+              </a:spcAft>
+              <a:buNone/>
+            </a:pPr>
+            <a:r>
+              <a:rPr b="1" lang="es" sz="1600">
+                <a:solidFill>
+                  <a:schemeClr val="dk1"/>
+                </a:solidFill>
+                <a:latin typeface="Inter"/>
+                <a:ea typeface="Inter"/>
+                <a:cs typeface="Inter"/>
+                <a:sym typeface="Inter"/>
+              </a:rPr>
+              <a:t>Ejercicio					      </a:t>
+            </a:r>
+            <a:endParaRPr b="1" sz="1600">
+              <a:solidFill>
+                <a:schemeClr val="dk1"/>
+              </a:solidFill>
+              <a:latin typeface="Inter"/>
+              <a:ea typeface="Inter"/>
+              <a:cs typeface="Inter"/>
+              <a:sym typeface="Inter"/>
+            </a:endParaRPr>
+          </a:p>
+          <a:p>
+            <a:pPr indent="0" lvl="0" marL="0" rtl="0" algn="l">
+              <a:lnSpc>
+                <a:spcPct val="150000"/>
+              </a:lnSpc>
+              <a:spcBef>
+                <a:spcPts val="1200"/>
+              </a:spcBef>
+              <a:spcAft>
+                <a:spcPts val="0"/>
+              </a:spcAft>
+              <a:buNone/>
+            </a:pPr>
+            <a:r>
+              <a:t/>
+            </a:r>
+            <a:endParaRPr b="1" sz="1600">
+              <a:solidFill>
+                <a:schemeClr val="dk1"/>
+              </a:solidFill>
+              <a:latin typeface="Inter"/>
+              <a:ea typeface="Inter"/>
+              <a:cs typeface="Inter"/>
+              <a:sym typeface="Inter"/>
+            </a:endParaRPr>
+          </a:p>
+          <a:p>
+            <a:pPr indent="0" lvl="0" marL="0" rtl="0" algn="l">
+              <a:lnSpc>
+                <a:spcPct val="150000"/>
+              </a:lnSpc>
+              <a:spcBef>
+                <a:spcPts val="1200"/>
+              </a:spcBef>
+              <a:spcAft>
+                <a:spcPts val="0"/>
+              </a:spcAft>
+              <a:buNone/>
+            </a:pPr>
+            <a:r>
+              <a:rPr lang="es" sz="1400">
+                <a:solidFill>
+                  <a:schemeClr val="dk1"/>
+                </a:solidFill>
+                <a:latin typeface="Inter Medium"/>
+                <a:ea typeface="Inter Medium"/>
+                <a:cs typeface="Inter Medium"/>
+                <a:sym typeface="Inter Medium"/>
+              </a:rPr>
+              <a:t>Dar una reducción de G</a:t>
+            </a:r>
+            <a:endParaRPr sz="1600">
+              <a:solidFill>
+                <a:schemeClr val="dk1"/>
+              </a:solidFill>
+              <a:latin typeface="Inter Medium"/>
+              <a:ea typeface="Inter Medium"/>
+              <a:cs typeface="Inter Medium"/>
+              <a:sym typeface="Inter Medium"/>
+            </a:endParaRPr>
+          </a:p>
+          <a:p>
+            <a:pPr indent="0" lvl="0" marL="0" rtl="0" algn="l">
+              <a:lnSpc>
+                <a:spcPct val="150000"/>
+              </a:lnSpc>
+              <a:spcBef>
+                <a:spcPts val="1200"/>
+              </a:spcBef>
+              <a:spcAft>
+                <a:spcPts val="0"/>
+              </a:spcAft>
+              <a:buNone/>
+            </a:pPr>
+            <a:r>
+              <a:t/>
+            </a:r>
+            <a:endParaRPr b="1" sz="1400">
+              <a:solidFill>
+                <a:schemeClr val="dk1"/>
+              </a:solidFill>
+              <a:latin typeface="Inter"/>
+              <a:ea typeface="Inter"/>
+              <a:cs typeface="Inter"/>
+              <a:sym typeface="Inter"/>
+            </a:endParaRPr>
+          </a:p>
+          <a:p>
+            <a:pPr indent="0" lvl="0" marL="0" rtl="0" algn="l">
+              <a:lnSpc>
+                <a:spcPct val="150000"/>
+              </a:lnSpc>
+              <a:spcBef>
+                <a:spcPts val="1200"/>
+              </a:spcBef>
+              <a:spcAft>
+                <a:spcPts val="0"/>
+              </a:spcAft>
+              <a:buNone/>
+            </a:pPr>
+            <a:r>
+              <a:t/>
+            </a:r>
+            <a:endParaRPr b="1" sz="1400">
+              <a:solidFill>
+                <a:schemeClr val="dk1"/>
+              </a:solidFill>
+              <a:latin typeface="Inter"/>
+              <a:ea typeface="Inter"/>
+              <a:cs typeface="Inter"/>
+              <a:sym typeface="Inter"/>
+            </a:endParaRPr>
+          </a:p>
+          <a:p>
+            <a:pPr indent="0" lvl="0" marL="0" rtl="0" algn="l">
+              <a:lnSpc>
+                <a:spcPct val="150000"/>
+              </a:lnSpc>
+              <a:spcBef>
+                <a:spcPts val="1200"/>
+              </a:spcBef>
+              <a:spcAft>
+                <a:spcPts val="0"/>
+              </a:spcAft>
+              <a:buNone/>
+            </a:pPr>
+            <a:r>
+              <a:t/>
+            </a:r>
+            <a:endParaRPr b="1" sz="1400">
+              <a:solidFill>
+                <a:schemeClr val="dk1"/>
+              </a:solidFill>
+              <a:latin typeface="Inter"/>
+              <a:ea typeface="Inter"/>
+              <a:cs typeface="Inter"/>
+              <a:sym typeface="Inter"/>
+            </a:endParaRPr>
+          </a:p>
+          <a:p>
+            <a:pPr indent="0" lvl="0" marL="0" rtl="0" algn="l">
+              <a:lnSpc>
                 <a:spcPct val="115000"/>
               </a:lnSpc>
               <a:spcBef>
-                <a:spcPts val="0"/>
+                <a:spcPts val="1200"/>
               </a:spcBef>
               <a:spcAft>
                 <a:spcPts val="1200"/>
@@ -27426,7 +27861,7 @@
       </p:sp>
       <p:sp>
         <p:nvSpPr>
-          <p:cNvPr id="500" name="Google Shape;500;p52"/>
+          <p:cNvPr id="506" name="Google Shape;506;p52"/>
           <p:cNvSpPr txBox="1"/>
           <p:nvPr>
             <p:ph type="title"/>
@@ -27457,13 +27892,7 @@
               <a:buNone/>
             </a:pPr>
             <a:r>
-              <a:rPr lang="es">
-                <a:latin typeface="Inter Medium"/>
-                <a:ea typeface="Inter Medium"/>
-                <a:cs typeface="Inter Medium"/>
-                <a:sym typeface="Inter Medium"/>
-              </a:rPr>
-              <a:t>Clasificación de gramáticas</a:t>
+              <a:t/>
             </a:r>
             <a:endParaRPr>
               <a:latin typeface="Inter Medium"/>
@@ -27476,7 +27905,7 @@
       </p:sp>
       <p:sp>
         <p:nvSpPr>
-          <p:cNvPr id="501" name="Google Shape;501;p52"/>
+          <p:cNvPr id="507" name="Google Shape;507;p52"/>
           <p:cNvSpPr txBox="1"/>
           <p:nvPr>
             <p:ph idx="4294967295" type="subTitle"/>
@@ -27535,7 +27964,7 @@
       </p:sp>
       <p:sp>
         <p:nvSpPr>
-          <p:cNvPr id="502" name="Google Shape;502;p52"/>
+          <p:cNvPr id="508" name="Google Shape;508;p52"/>
           <p:cNvSpPr txBox="1"/>
           <p:nvPr/>
         </p:nvSpPr>
@@ -27587,7 +28016,7 @@
       </p:sp>
       <p:pic>
         <p:nvPicPr>
-          <p:cNvPr id="503" name="Google Shape;503;p52"/>
+          <p:cNvPr id="509" name="Google Shape;509;p52"/>
           <p:cNvPicPr preferRelativeResize="0"/>
           <p:nvPr/>
         </p:nvPicPr>
@@ -27601,8 +28030,8 @@
         </p:blipFill>
         <p:spPr>
           <a:xfrm>
-            <a:off x="2721250" y="1152475"/>
-            <a:ext cx="3701525" cy="3467662"/>
+            <a:off x="401994" y="2744275"/>
+            <a:ext cx="2706026" cy="1225025"/>
           </a:xfrm>
           <a:prstGeom prst="rect">
             <a:avLst/>
@@ -27615,7 +28044,7 @@
       </p:pic>
       <p:sp>
         <p:nvSpPr>
-          <p:cNvPr id="504" name="Google Shape;504;p52"/>
+          <p:cNvPr id="510" name="Google Shape;510;p52"/>
           <p:cNvSpPr txBox="1"/>
           <p:nvPr>
             <p:ph idx="12" type="sldNum"/>
@@ -27666,7 +28095,7 @@
   <p:cSld>
     <p:spTree>
       <p:nvGrpSpPr>
-        <p:cNvPr id="508" name="Shape 508"/>
+        <p:cNvPr id="514" name="Shape 514"/>
         <p:cNvGrpSpPr/>
         <p:nvPr/>
       </p:nvGrpSpPr>
@@ -27680,7 +28109,7 @@
       </p:grpSpPr>
       <p:sp>
         <p:nvSpPr>
-          <p:cNvPr id="509" name="Google Shape;509;p53"/>
+          <p:cNvPr id="515" name="Google Shape;515;p53"/>
           <p:cNvSpPr txBox="1"/>
           <p:nvPr>
             <p:ph idx="1" type="body"/>
@@ -27730,7 +28159,7 @@
       </p:sp>
       <p:sp>
         <p:nvSpPr>
-          <p:cNvPr id="510" name="Google Shape;510;p53"/>
+          <p:cNvPr id="516" name="Google Shape;516;p53"/>
           <p:cNvSpPr txBox="1"/>
           <p:nvPr>
             <p:ph type="title"/>
@@ -27767,7 +28196,7 @@
                 <a:cs typeface="Inter Medium"/>
                 <a:sym typeface="Inter Medium"/>
               </a:rPr>
-              <a:t>Jerarquía de Chomsky</a:t>
+              <a:t>Clasificación de gramáticas</a:t>
             </a:r>
             <a:endParaRPr>
               <a:latin typeface="Inter Medium"/>
@@ -27780,7 +28209,7 @@
       </p:sp>
       <p:sp>
         <p:nvSpPr>
-          <p:cNvPr id="511" name="Google Shape;511;p53"/>
+          <p:cNvPr id="517" name="Google Shape;517;p53"/>
           <p:cNvSpPr txBox="1"/>
           <p:nvPr>
             <p:ph idx="4294967295" type="subTitle"/>
@@ -27839,7 +28268,7 @@
       </p:sp>
       <p:sp>
         <p:nvSpPr>
-          <p:cNvPr id="512" name="Google Shape;512;p53"/>
+          <p:cNvPr id="518" name="Google Shape;518;p53"/>
           <p:cNvSpPr txBox="1"/>
           <p:nvPr/>
         </p:nvSpPr>
@@ -27891,7 +28320,7 @@
       </p:sp>
       <p:pic>
         <p:nvPicPr>
-          <p:cNvPr id="513" name="Google Shape;513;p53"/>
+          <p:cNvPr id="519" name="Google Shape;519;p53"/>
           <p:cNvPicPr preferRelativeResize="0"/>
           <p:nvPr/>
         </p:nvPicPr>
@@ -27905,8 +28334,8 @@
         </p:blipFill>
         <p:spPr>
           <a:xfrm>
-            <a:off x="1912700" y="1152475"/>
-            <a:ext cx="5318600" cy="3416401"/>
+            <a:off x="2721250" y="1152475"/>
+            <a:ext cx="3701525" cy="3467662"/>
           </a:xfrm>
           <a:prstGeom prst="rect">
             <a:avLst/>
@@ -27919,7 +28348,311 @@
       </p:pic>
       <p:sp>
         <p:nvSpPr>
-          <p:cNvPr id="514" name="Google Shape;514;p53"/>
+          <p:cNvPr id="520" name="Google Shape;520;p53"/>
+          <p:cNvSpPr txBox="1"/>
+          <p:nvPr>
+            <p:ph idx="12" type="sldNum"/>
+          </p:nvPr>
+        </p:nvSpPr>
+        <p:spPr>
+          <a:xfrm>
+            <a:off x="8472458" y="4663217"/>
+            <a:ext cx="548700" cy="393600"/>
+          </a:xfrm>
+          <a:prstGeom prst="rect">
+            <a:avLst/>
+          </a:prstGeom>
+        </p:spPr>
+        <p:txBody>
+          <a:bodyPr anchorCtr="0" anchor="ctr" bIns="91425" lIns="91425" spcFirstLastPara="1" rIns="91425" wrap="square" tIns="91425">
+            <a:normAutofit/>
+          </a:bodyPr>
+          <a:lstStyle/>
+          <a:p>
+            <a:pPr indent="0" lvl="0" marL="0" rtl="0" algn="r">
+              <a:spcBef>
+                <a:spcPts val="0"/>
+              </a:spcBef>
+              <a:spcAft>
+                <a:spcPts val="0"/>
+              </a:spcAft>
+              <a:buNone/>
+            </a:pPr>
+            <a:fld id="{00000000-1234-1234-1234-123412341234}" type="slidenum">
+              <a:rPr lang="es"/>
+              <a:t>‹#›</a:t>
+            </a:fld>
+            <a:endParaRPr/>
+          </a:p>
+        </p:txBody>
+      </p:sp>
+    </p:spTree>
+  </p:cSld>
+  <p:clrMapOvr>
+    <a:masterClrMapping/>
+  </p:clrMapOvr>
+</p:sld>
+</file>
+
+<file path=ppt/slides/slide42.xml><?xml version="1.0" encoding="utf-8"?>
+<p:sld xmlns:a="http://schemas.openxmlformats.org/drawingml/2006/main" xmlns:r="http://schemas.openxmlformats.org/officeDocument/2006/relationships" xmlns:mc="http://schemas.openxmlformats.org/markup-compatibility/2006" xmlns:mv="urn:schemas-microsoft-com:mac:vml" xmlns:p="http://schemas.openxmlformats.org/presentationml/2006/main" xmlns:c="http://schemas.openxmlformats.org/drawingml/2006/chart" xmlns:dgm="http://schemas.openxmlformats.org/drawingml/2006/diagram" xmlns:o="urn:schemas-microsoft-com:office:office" xmlns:v="urn:schemas-microsoft-com:vml" xmlns:pvml="urn:schemas-microsoft-com:office:powerpoint" xmlns:com="http://schemas.openxmlformats.org/drawingml/2006/compatibility" xmlns:p14="http://schemas.microsoft.com/office/powerpoint/2010/main" xmlns:p15="http://schemas.microsoft.com/office/powerpoint/2012/main" xmlns:ahyp="http://schemas.microsoft.com/office/drawing/2018/hyperlinkcolor">
+  <p:cSld>
+    <p:spTree>
+      <p:nvGrpSpPr>
+        <p:cNvPr id="524" name="Shape 524"/>
+        <p:cNvGrpSpPr/>
+        <p:nvPr/>
+      </p:nvGrpSpPr>
+      <p:grpSpPr>
+        <a:xfrm>
+          <a:off x="0" y="0"/>
+          <a:ext cx="0" cy="0"/>
+          <a:chOff x="0" y="0"/>
+          <a:chExt cx="0" cy="0"/>
+        </a:xfrm>
+      </p:grpSpPr>
+      <p:sp>
+        <p:nvSpPr>
+          <p:cNvPr id="525" name="Google Shape;525;p54"/>
+          <p:cNvSpPr txBox="1"/>
+          <p:nvPr>
+            <p:ph idx="1" type="body"/>
+          </p:nvPr>
+        </p:nvSpPr>
+        <p:spPr>
+          <a:xfrm>
+            <a:off x="311700" y="1152475"/>
+            <a:ext cx="8520600" cy="3416400"/>
+          </a:xfrm>
+          <a:prstGeom prst="rect">
+            <a:avLst/>
+          </a:prstGeom>
+        </p:spPr>
+        <p:txBody>
+          <a:bodyPr anchorCtr="0" anchor="t" bIns="91425" lIns="91425" spcFirstLastPara="1" rIns="91425" wrap="square" tIns="91425">
+            <a:noAutofit/>
+          </a:bodyPr>
+          <a:lstStyle/>
+          <a:p>
+            <a:pPr indent="0" lvl="0" marL="0" rtl="0" algn="l">
+              <a:lnSpc>
+                <a:spcPct val="115000"/>
+              </a:lnSpc>
+              <a:spcBef>
+                <a:spcPts val="0"/>
+              </a:spcBef>
+              <a:spcAft>
+                <a:spcPts val="1200"/>
+              </a:spcAft>
+              <a:buNone/>
+            </a:pPr>
+            <a:r>
+              <a:t/>
+            </a:r>
+            <a:endParaRPr sz="1400">
+              <a:solidFill>
+                <a:schemeClr val="dk1"/>
+              </a:solidFill>
+              <a:latin typeface="Inter Medium"/>
+              <a:ea typeface="Inter Medium"/>
+              <a:cs typeface="Inter Medium"/>
+              <a:sym typeface="Inter Medium"/>
+            </a:endParaRPr>
+          </a:p>
+        </p:txBody>
+      </p:sp>
+      <p:sp>
+        <p:nvSpPr>
+          <p:cNvPr id="526" name="Google Shape;526;p54"/>
+          <p:cNvSpPr txBox="1"/>
+          <p:nvPr>
+            <p:ph type="title"/>
+          </p:nvPr>
+        </p:nvSpPr>
+        <p:spPr>
+          <a:xfrm>
+            <a:off x="311700" y="445025"/>
+            <a:ext cx="8520600" cy="572700"/>
+          </a:xfrm>
+          <a:prstGeom prst="rect">
+            <a:avLst/>
+          </a:prstGeom>
+        </p:spPr>
+        <p:txBody>
+          <a:bodyPr anchorCtr="0" anchor="t" bIns="91425" lIns="91425" spcFirstLastPara="1" rIns="91425" wrap="square" tIns="91425">
+            <a:normAutofit fontScale="90000"/>
+          </a:bodyPr>
+          <a:lstStyle/>
+          <a:p>
+            <a:pPr indent="0" lvl="0" marL="0" rtl="0" algn="l">
+              <a:spcBef>
+                <a:spcPts val="0"/>
+              </a:spcBef>
+              <a:spcAft>
+                <a:spcPts val="0"/>
+              </a:spcAft>
+              <a:buNone/>
+            </a:pPr>
+            <a:r>
+              <a:rPr lang="es">
+                <a:latin typeface="Inter Medium"/>
+                <a:ea typeface="Inter Medium"/>
+                <a:cs typeface="Inter Medium"/>
+                <a:sym typeface="Inter Medium"/>
+              </a:rPr>
+              <a:t>Jerarquía de Chomsky</a:t>
+            </a:r>
+            <a:endParaRPr>
+              <a:latin typeface="Inter Medium"/>
+              <a:ea typeface="Inter Medium"/>
+              <a:cs typeface="Inter Medium"/>
+              <a:sym typeface="Inter Medium"/>
+            </a:endParaRPr>
+          </a:p>
+        </p:txBody>
+      </p:sp>
+      <p:sp>
+        <p:nvSpPr>
+          <p:cNvPr id="527" name="Google Shape;527;p54"/>
+          <p:cNvSpPr txBox="1"/>
+          <p:nvPr>
+            <p:ph idx="4294967295" type="subTitle"/>
+          </p:nvPr>
+        </p:nvSpPr>
+        <p:spPr>
+          <a:xfrm>
+            <a:off x="0" y="4764600"/>
+            <a:ext cx="3189000" cy="378900"/>
+          </a:xfrm>
+          <a:prstGeom prst="rect">
+            <a:avLst/>
+          </a:prstGeom>
+        </p:spPr>
+        <p:txBody>
+          <a:bodyPr anchorCtr="0" anchor="t" bIns="91425" lIns="91425" spcFirstLastPara="1" rIns="91425" wrap="square" tIns="91425">
+            <a:normAutofit/>
+          </a:bodyPr>
+          <a:lstStyle/>
+          <a:p>
+            <a:pPr indent="0" lvl="0" marL="0" rtl="0" algn="l">
+              <a:lnSpc>
+                <a:spcPct val="90000"/>
+              </a:lnSpc>
+              <a:spcBef>
+                <a:spcPts val="0"/>
+              </a:spcBef>
+              <a:spcAft>
+                <a:spcPts val="1200"/>
+              </a:spcAft>
+              <a:buNone/>
+            </a:pPr>
+            <a:r>
+              <a:rPr lang="es" sz="1200">
+                <a:solidFill>
+                  <a:schemeClr val="dk1"/>
+                </a:solidFill>
+                <a:latin typeface="Inter Medium"/>
+                <a:ea typeface="Inter Medium"/>
+                <a:cs typeface="Inter Medium"/>
+                <a:sym typeface="Inter Medium"/>
+              </a:rPr>
+              <a:t>Universidad Nacional de Quilmes</a:t>
+            </a:r>
+            <a:endParaRPr sz="1200">
+              <a:solidFill>
+                <a:schemeClr val="dk1"/>
+              </a:solidFill>
+              <a:latin typeface="Inter Medium"/>
+              <a:ea typeface="Inter Medium"/>
+              <a:cs typeface="Inter Medium"/>
+              <a:sym typeface="Inter Medium"/>
+            </a:endParaRPr>
+          </a:p>
+        </p:txBody>
+      </p:sp>
+      <p:sp>
+        <p:nvSpPr>
+          <p:cNvPr id="528" name="Google Shape;528;p54"/>
+          <p:cNvSpPr txBox="1"/>
+          <p:nvPr/>
+        </p:nvSpPr>
+        <p:spPr>
+          <a:xfrm>
+            <a:off x="6698100" y="4809150"/>
+            <a:ext cx="2445900" cy="289800"/>
+          </a:xfrm>
+          <a:prstGeom prst="rect">
+            <a:avLst/>
+          </a:prstGeom>
+          <a:noFill/>
+          <a:ln>
+            <a:noFill/>
+          </a:ln>
+        </p:spPr>
+        <p:txBody>
+          <a:bodyPr anchorCtr="0" anchor="t" bIns="91425" lIns="91425" spcFirstLastPara="1" rIns="91425" wrap="square" tIns="91425">
+            <a:noAutofit/>
+          </a:bodyPr>
+          <a:lstStyle/>
+          <a:p>
+            <a:pPr indent="0" lvl="0" marL="0" rtl="0" algn="l">
+              <a:spcBef>
+                <a:spcPts val="0"/>
+              </a:spcBef>
+              <a:spcAft>
+                <a:spcPts val="0"/>
+              </a:spcAft>
+              <a:buNone/>
+            </a:pPr>
+            <a:r>
+              <a:rPr lang="es" sz="800">
+                <a:latin typeface="Inter Medium"/>
+                <a:ea typeface="Inter Medium"/>
+                <a:cs typeface="Inter Medium"/>
+                <a:sym typeface="Inter Medium"/>
+              </a:rPr>
+              <a:t>Lenguajes Formales y Autómatas - S2 - 2023</a:t>
+            </a:r>
+            <a:endParaRPr sz="800">
+              <a:latin typeface="Inter Medium"/>
+              <a:ea typeface="Inter Medium"/>
+              <a:cs typeface="Inter Medium"/>
+              <a:sym typeface="Inter Medium"/>
+            </a:endParaRPr>
+          </a:p>
+        </p:txBody>
+      </p:sp>
+      <p:pic>
+        <p:nvPicPr>
+          <p:cNvPr id="529" name="Google Shape;529;p54"/>
+          <p:cNvPicPr preferRelativeResize="0"/>
+          <p:nvPr/>
+        </p:nvPicPr>
+        <p:blipFill>
+          <a:blip r:embed="rId3">
+            <a:alphaModFix/>
+          </a:blip>
+          <a:stretch>
+            <a:fillRect/>
+          </a:stretch>
+        </p:blipFill>
+        <p:spPr>
+          <a:xfrm>
+            <a:off x="1912700" y="1152475"/>
+            <a:ext cx="5318600" cy="3416401"/>
+          </a:xfrm>
+          <a:prstGeom prst="rect">
+            <a:avLst/>
+          </a:prstGeom>
+          <a:noFill/>
+          <a:ln>
+            <a:noFill/>
+          </a:ln>
+        </p:spPr>
+      </p:pic>
+      <p:sp>
+        <p:nvSpPr>
+          <p:cNvPr id="530" name="Google Shape;530;p54"/>
           <p:cNvSpPr txBox="1"/>
           <p:nvPr>
             <p:ph idx="12" type="sldNum"/>
@@ -28471,7 +29204,16 @@
                 <a:cs typeface="Inter Medium"/>
                 <a:sym typeface="Inter Medium"/>
               </a:rPr>
-              <a:t>Calendario tentativo de la cursada</a:t>
+              <a:t>Calendario tentativo de la cursada (desactualizado</a:t>
+            </a:r>
+            <a:r>
+              <a:rPr lang="es">
+                <a:latin typeface="Inter Medium"/>
+                <a:ea typeface="Inter Medium"/>
+                <a:cs typeface="Inter Medium"/>
+                <a:sym typeface="Inter Medium"/>
+              </a:rPr>
+              <a:t>)</a:t>
             </a:r>
             <a:endParaRPr>
               <a:latin typeface="Inter Medium"/>
